--- a/願你崇高.pptx
+++ b/願你崇高.pptx
@@ -8,7 +8,7 @@
     <p:sldId id="256" r:id="rId2"/>
     <p:sldId id="257" r:id="rId3"/>
   </p:sldIdLst>
-  <p:sldSz cx="9144000" cy="6858000" type="screen4x3"/>
+  <p:sldSz cx="9144000" cy="5143500" type="screen16x9"/>
   <p:notesSz cx="6858000" cy="9144000"/>
   <p:defaultTextStyle>
     <a:defPPr>
@@ -137,8 +137,8 @@
         </p:nvSpPr>
         <p:spPr>
           <a:xfrm>
-            <a:off x="685800" y="2130425"/>
-            <a:ext cx="7772400" cy="1470025"/>
+            <a:off x="685800" y="1597819"/>
+            <a:ext cx="7772400" cy="1102519"/>
           </a:xfrm>
         </p:spPr>
         <p:txBody>
@@ -165,8 +165,8 @@
         </p:nvSpPr>
         <p:spPr>
           <a:xfrm>
-            <a:off x="1371600" y="3886200"/>
-            <a:ext cx="6400800" cy="1752600"/>
+            <a:off x="1371600" y="2914650"/>
+            <a:ext cx="6400800" cy="1314450"/>
           </a:xfrm>
         </p:spPr>
         <p:txBody>
@@ -290,7 +290,7 @@
             <a:fld id="{3D5D771C-AFFE-47B3-886F-49CD4EBE8B05}" type="datetimeFigureOut">
               <a:rPr lang="en-US" smtClean="0"/>
               <a:pPr/>
-              <a:t>8/11/2018</a:t>
+              <a:t>8/3/2019</a:t>
             </a:fld>
             <a:endParaRPr lang="en-US"/>
           </a:p>
@@ -457,7 +457,7 @@
             <a:fld id="{3D5D771C-AFFE-47B3-886F-49CD4EBE8B05}" type="datetimeFigureOut">
               <a:rPr lang="en-US" smtClean="0"/>
               <a:pPr/>
-              <a:t>8/11/2018</a:t>
+              <a:t>8/3/2019</a:t>
             </a:fld>
             <a:endParaRPr lang="en-US"/>
           </a:p>
@@ -543,8 +543,8 @@
         </p:nvSpPr>
         <p:spPr>
           <a:xfrm>
-            <a:off x="6629400" y="274638"/>
-            <a:ext cx="2057400" cy="5851525"/>
+            <a:off x="6629400" y="205979"/>
+            <a:ext cx="2057400" cy="4388644"/>
           </a:xfrm>
         </p:spPr>
         <p:txBody>
@@ -571,8 +571,8 @@
         </p:nvSpPr>
         <p:spPr>
           <a:xfrm>
-            <a:off x="457200" y="274638"/>
-            <a:ext cx="6019800" cy="5851525"/>
+            <a:off x="457200" y="205979"/>
+            <a:ext cx="6019800" cy="4388644"/>
           </a:xfrm>
         </p:spPr>
         <p:txBody>
@@ -634,7 +634,7 @@
             <a:fld id="{3D5D771C-AFFE-47B3-886F-49CD4EBE8B05}" type="datetimeFigureOut">
               <a:rPr lang="en-US" smtClean="0"/>
               <a:pPr/>
-              <a:t>8/11/2018</a:t>
+              <a:t>8/3/2019</a:t>
             </a:fld>
             <a:endParaRPr lang="en-US"/>
           </a:p>
@@ -801,7 +801,7 @@
             <a:fld id="{3D5D771C-AFFE-47B3-886F-49CD4EBE8B05}" type="datetimeFigureOut">
               <a:rPr lang="en-US" smtClean="0"/>
               <a:pPr/>
-              <a:t>8/11/2018</a:t>
+              <a:t>8/3/2019</a:t>
             </a:fld>
             <a:endParaRPr lang="en-US"/>
           </a:p>
@@ -887,8 +887,8 @@
         </p:nvSpPr>
         <p:spPr>
           <a:xfrm>
-            <a:off x="722313" y="4406900"/>
-            <a:ext cx="7772400" cy="1362075"/>
+            <a:off x="722313" y="3305176"/>
+            <a:ext cx="7772400" cy="1021556"/>
           </a:xfrm>
         </p:spPr>
         <p:txBody>
@@ -919,8 +919,8 @@
         </p:nvSpPr>
         <p:spPr>
           <a:xfrm>
-            <a:off x="722313" y="2906713"/>
-            <a:ext cx="7772400" cy="1500187"/>
+            <a:off x="722313" y="2180035"/>
+            <a:ext cx="7772400" cy="1125140"/>
           </a:xfrm>
         </p:spPr>
         <p:txBody>
@@ -1044,7 +1044,7 @@
             <a:fld id="{3D5D771C-AFFE-47B3-886F-49CD4EBE8B05}" type="datetimeFigureOut">
               <a:rPr lang="en-US" smtClean="0"/>
               <a:pPr/>
-              <a:t>8/11/2018</a:t>
+              <a:t>8/3/2019</a:t>
             </a:fld>
             <a:endParaRPr lang="en-US"/>
           </a:p>
@@ -1153,8 +1153,8 @@
         </p:nvSpPr>
         <p:spPr>
           <a:xfrm>
-            <a:off x="457200" y="1600200"/>
-            <a:ext cx="4038600" cy="4525963"/>
+            <a:off x="457200" y="1200151"/>
+            <a:ext cx="4038600" cy="3394472"/>
           </a:xfrm>
         </p:spPr>
         <p:txBody>
@@ -1238,8 +1238,8 @@
         </p:nvSpPr>
         <p:spPr>
           <a:xfrm>
-            <a:off x="4648200" y="1600200"/>
-            <a:ext cx="4038600" cy="4525963"/>
+            <a:off x="4648200" y="1200151"/>
+            <a:ext cx="4038600" cy="3394472"/>
           </a:xfrm>
         </p:spPr>
         <p:txBody>
@@ -1329,7 +1329,7 @@
             <a:fld id="{3D5D771C-AFFE-47B3-886F-49CD4EBE8B05}" type="datetimeFigureOut">
               <a:rPr lang="en-US" smtClean="0"/>
               <a:pPr/>
-              <a:t>8/11/2018</a:t>
+              <a:t>8/3/2019</a:t>
             </a:fld>
             <a:endParaRPr lang="en-US"/>
           </a:p>
@@ -1442,8 +1442,8 @@
         </p:nvSpPr>
         <p:spPr>
           <a:xfrm>
-            <a:off x="457200" y="1535113"/>
-            <a:ext cx="4040188" cy="639762"/>
+            <a:off x="457200" y="1151335"/>
+            <a:ext cx="4040188" cy="479822"/>
           </a:xfrm>
         </p:spPr>
         <p:txBody>
@@ -1507,8 +1507,8 @@
         </p:nvSpPr>
         <p:spPr>
           <a:xfrm>
-            <a:off x="457200" y="2174875"/>
-            <a:ext cx="4040188" cy="3951288"/>
+            <a:off x="457200" y="1631156"/>
+            <a:ext cx="4040188" cy="2963466"/>
           </a:xfrm>
         </p:spPr>
         <p:txBody>
@@ -1592,8 +1592,8 @@
         </p:nvSpPr>
         <p:spPr>
           <a:xfrm>
-            <a:off x="4645025" y="1535113"/>
-            <a:ext cx="4041775" cy="639762"/>
+            <a:off x="4645026" y="1151335"/>
+            <a:ext cx="4041775" cy="479822"/>
           </a:xfrm>
         </p:spPr>
         <p:txBody>
@@ -1657,8 +1657,8 @@
         </p:nvSpPr>
         <p:spPr>
           <a:xfrm>
-            <a:off x="4645025" y="2174875"/>
-            <a:ext cx="4041775" cy="3951288"/>
+            <a:off x="4645026" y="1631156"/>
+            <a:ext cx="4041775" cy="2963466"/>
           </a:xfrm>
         </p:spPr>
         <p:txBody>
@@ -1748,7 +1748,7 @@
             <a:fld id="{3D5D771C-AFFE-47B3-886F-49CD4EBE8B05}" type="datetimeFigureOut">
               <a:rPr lang="en-US" smtClean="0"/>
               <a:pPr/>
-              <a:t>8/11/2018</a:t>
+              <a:t>8/3/2019</a:t>
             </a:fld>
             <a:endParaRPr lang="en-US"/>
           </a:p>
@@ -1863,7 +1863,7 @@
             <a:fld id="{3D5D771C-AFFE-47B3-886F-49CD4EBE8B05}" type="datetimeFigureOut">
               <a:rPr lang="en-US" smtClean="0"/>
               <a:pPr/>
-              <a:t>8/11/2018</a:t>
+              <a:t>8/3/2019</a:t>
             </a:fld>
             <a:endParaRPr lang="en-US"/>
           </a:p>
@@ -1955,7 +1955,7 @@
             <a:fld id="{3D5D771C-AFFE-47B3-886F-49CD4EBE8B05}" type="datetimeFigureOut">
               <a:rPr lang="en-US" smtClean="0"/>
               <a:pPr/>
-              <a:t>8/11/2018</a:t>
+              <a:t>8/3/2019</a:t>
             </a:fld>
             <a:endParaRPr lang="en-US"/>
           </a:p>
@@ -2041,8 +2041,8 @@
         </p:nvSpPr>
         <p:spPr>
           <a:xfrm>
-            <a:off x="457200" y="273050"/>
-            <a:ext cx="3008313" cy="1162050"/>
+            <a:off x="457201" y="204787"/>
+            <a:ext cx="3008313" cy="871538"/>
           </a:xfrm>
         </p:spPr>
         <p:txBody>
@@ -2073,8 +2073,8 @@
         </p:nvSpPr>
         <p:spPr>
           <a:xfrm>
-            <a:off x="3575050" y="273050"/>
-            <a:ext cx="5111750" cy="5853113"/>
+            <a:off x="3575050" y="204788"/>
+            <a:ext cx="5111750" cy="4389835"/>
           </a:xfrm>
         </p:spPr>
         <p:txBody>
@@ -2158,8 +2158,8 @@
         </p:nvSpPr>
         <p:spPr>
           <a:xfrm>
-            <a:off x="457200" y="1435100"/>
-            <a:ext cx="3008313" cy="4691063"/>
+            <a:off x="457201" y="1076326"/>
+            <a:ext cx="3008313" cy="3518297"/>
           </a:xfrm>
         </p:spPr>
         <p:txBody>
@@ -2229,7 +2229,7 @@
             <a:fld id="{3D5D771C-AFFE-47B3-886F-49CD4EBE8B05}" type="datetimeFigureOut">
               <a:rPr lang="en-US" smtClean="0"/>
               <a:pPr/>
-              <a:t>8/11/2018</a:t>
+              <a:t>8/3/2019</a:t>
             </a:fld>
             <a:endParaRPr lang="en-US"/>
           </a:p>
@@ -2315,8 +2315,8 @@
         </p:nvSpPr>
         <p:spPr>
           <a:xfrm>
-            <a:off x="1792288" y="4800600"/>
-            <a:ext cx="5486400" cy="566738"/>
+            <a:off x="1792288" y="3600450"/>
+            <a:ext cx="5486400" cy="425054"/>
           </a:xfrm>
         </p:spPr>
         <p:txBody>
@@ -2347,8 +2347,8 @@
         </p:nvSpPr>
         <p:spPr>
           <a:xfrm>
-            <a:off x="1792288" y="612775"/>
-            <a:ext cx="5486400" cy="4114800"/>
+            <a:off x="1792288" y="459581"/>
+            <a:ext cx="5486400" cy="3086100"/>
           </a:xfrm>
         </p:spPr>
         <p:txBody>
@@ -2412,8 +2412,8 @@
         </p:nvSpPr>
         <p:spPr>
           <a:xfrm>
-            <a:off x="1792288" y="5367338"/>
-            <a:ext cx="5486400" cy="804862"/>
+            <a:off x="1792288" y="4025503"/>
+            <a:ext cx="5486400" cy="603647"/>
           </a:xfrm>
         </p:spPr>
         <p:txBody>
@@ -2483,7 +2483,7 @@
             <a:fld id="{3D5D771C-AFFE-47B3-886F-49CD4EBE8B05}" type="datetimeFigureOut">
               <a:rPr lang="en-US" smtClean="0"/>
               <a:pPr/>
-              <a:t>8/11/2018</a:t>
+              <a:t>8/3/2019</a:t>
             </a:fld>
             <a:endParaRPr lang="en-US"/>
           </a:p>
@@ -2579,8 +2579,8 @@
         </p:nvSpPr>
         <p:spPr>
           <a:xfrm>
-            <a:off x="457200" y="274638"/>
-            <a:ext cx="8229600" cy="1143000"/>
+            <a:off x="457200" y="205979"/>
+            <a:ext cx="8229600" cy="857250"/>
           </a:xfrm>
           <a:prstGeom prst="rect">
             <a:avLst/>
@@ -2612,8 +2612,8 @@
         </p:nvSpPr>
         <p:spPr>
           <a:xfrm>
-            <a:off x="457200" y="1600200"/>
-            <a:ext cx="8229600" cy="4525963"/>
+            <a:off x="457200" y="1200151"/>
+            <a:ext cx="8229600" cy="3394472"/>
           </a:xfrm>
           <a:prstGeom prst="rect">
             <a:avLst/>
@@ -2674,8 +2674,8 @@
         </p:nvSpPr>
         <p:spPr>
           <a:xfrm>
-            <a:off x="457200" y="6356350"/>
-            <a:ext cx="2133600" cy="365125"/>
+            <a:off x="457200" y="4767263"/>
+            <a:ext cx="2133600" cy="273844"/>
           </a:xfrm>
           <a:prstGeom prst="rect">
             <a:avLst/>
@@ -2698,7 +2698,7 @@
             <a:fld id="{3D5D771C-AFFE-47B3-886F-49CD4EBE8B05}" type="datetimeFigureOut">
               <a:rPr lang="en-US" smtClean="0"/>
               <a:pPr/>
-              <a:t>8/11/2018</a:t>
+              <a:t>8/3/2019</a:t>
             </a:fld>
             <a:endParaRPr lang="en-US"/>
           </a:p>
@@ -2716,8 +2716,8 @@
         </p:nvSpPr>
         <p:spPr>
           <a:xfrm>
-            <a:off x="3124200" y="6356350"/>
-            <a:ext cx="2895600" cy="365125"/>
+            <a:off x="3124200" y="4767263"/>
+            <a:ext cx="2895600" cy="273844"/>
           </a:xfrm>
           <a:prstGeom prst="rect">
             <a:avLst/>
@@ -2753,8 +2753,8 @@
         </p:nvSpPr>
         <p:spPr>
           <a:xfrm>
-            <a:off x="6553200" y="6356350"/>
-            <a:ext cx="2133600" cy="365125"/>
+            <a:off x="6553200" y="4767263"/>
+            <a:ext cx="2133600" cy="273844"/>
           </a:xfrm>
           <a:prstGeom prst="rect">
             <a:avLst/>
@@ -3082,7 +3082,7 @@
         <p:spPr>
           <a:xfrm>
             <a:off x="457200" y="0"/>
-            <a:ext cx="8229600" cy="1143000"/>
+            <a:ext cx="8229600" cy="857250"/>
           </a:xfrm>
         </p:spPr>
         <p:txBody>
@@ -3121,8 +3121,8 @@
         </p:nvSpPr>
         <p:spPr>
           <a:xfrm>
-            <a:off x="457200" y="990600"/>
-            <a:ext cx="8229600" cy="5867400"/>
+            <a:off x="0" y="895350"/>
+            <a:ext cx="9144000" cy="4248150"/>
           </a:xfrm>
         </p:spPr>
         <p:txBody>
@@ -3135,7 +3135,7 @@
               <a:buNone/>
             </a:pPr>
             <a:r>
-              <a:rPr lang="zh-TW" altLang="en-US" sz="5400" b="1" dirty="0">
+              <a:rPr lang="zh-TW" altLang="en-US" sz="4800" b="1" dirty="0">
                 <a:solidFill>
                   <a:srgbClr val="660033"/>
                 </a:solidFill>
@@ -3145,7 +3145,7 @@
               <a:t>我要在萬民中稱謝</a:t>
             </a:r>
             <a:r>
-              <a:rPr lang="zh-TW" altLang="en-US" sz="5400" b="1" dirty="0" smtClean="0">
+              <a:rPr lang="zh-TW" altLang="en-US" sz="4800" b="1" dirty="0" smtClean="0">
                 <a:solidFill>
                   <a:srgbClr val="660033"/>
                 </a:solidFill>
@@ -3154,7 +3154,7 @@
               </a:rPr>
               <a:t>你</a:t>
             </a:r>
-            <a:endParaRPr lang="en-US" altLang="zh-TW" sz="5400" b="1" dirty="0" smtClean="0">
+            <a:endParaRPr lang="en-US" altLang="zh-TW" sz="4800" b="1" dirty="0" smtClean="0">
               <a:solidFill>
                 <a:srgbClr val="660033"/>
               </a:solidFill>
@@ -3167,7 +3167,7 @@
               <a:buNone/>
             </a:pPr>
             <a:r>
-              <a:rPr lang="zh-TW" altLang="en-US" sz="5400" b="1" dirty="0" smtClean="0">
+              <a:rPr lang="zh-TW" altLang="en-US" sz="4800" b="1" dirty="0" smtClean="0">
                 <a:solidFill>
                   <a:srgbClr val="660033"/>
                 </a:solidFill>
@@ -3177,7 +3177,7 @@
               <a:t>我</a:t>
             </a:r>
             <a:r>
-              <a:rPr lang="zh-TW" altLang="en-US" sz="5400" b="1" dirty="0">
+              <a:rPr lang="zh-TW" altLang="en-US" sz="4800" b="1" dirty="0">
                 <a:solidFill>
                   <a:srgbClr val="660033"/>
                 </a:solidFill>
@@ -3187,7 +3187,7 @@
               <a:t>要在列邦中歌頌</a:t>
             </a:r>
             <a:r>
-              <a:rPr lang="zh-TW" altLang="en-US" sz="5400" b="1" dirty="0" smtClean="0">
+              <a:rPr lang="zh-TW" altLang="en-US" sz="4800" b="1" dirty="0" smtClean="0">
                 <a:solidFill>
                   <a:srgbClr val="660033"/>
                 </a:solidFill>
@@ -3196,7 +3196,7 @@
               </a:rPr>
               <a:t>你</a:t>
             </a:r>
-            <a:endParaRPr lang="en-US" altLang="zh-TW" sz="5400" b="1" dirty="0">
+            <a:endParaRPr lang="en-US" altLang="zh-TW" sz="4800" b="1" dirty="0">
               <a:solidFill>
                 <a:srgbClr val="660033"/>
               </a:solidFill>
@@ -3208,37 +3208,7 @@
             <a:pPr algn="ctr">
               <a:buNone/>
             </a:pPr>
-            <a:r>
-              <a:rPr lang="zh-TW" altLang="en-US" sz="5400" b="1" dirty="0" smtClean="0">
-                <a:solidFill>
-                  <a:srgbClr val="660033"/>
-                </a:solidFill>
-                <a:latin typeface="微軟正黑體" pitchFamily="34" charset="-120"/>
-                <a:ea typeface="微軟正黑體" pitchFamily="34" charset="-120"/>
-              </a:rPr>
-              <a:t>你</a:t>
-            </a:r>
-            <a:r>
-              <a:rPr lang="zh-TW" altLang="en-US" sz="5400" b="1" dirty="0">
-                <a:solidFill>
-                  <a:srgbClr val="660033"/>
-                </a:solidFill>
-                <a:latin typeface="微軟正黑體" pitchFamily="34" charset="-120"/>
-                <a:ea typeface="微軟正黑體" pitchFamily="34" charset="-120"/>
-              </a:rPr>
-              <a:t>的慈愛高及諸</a:t>
-            </a:r>
-            <a:r>
-              <a:rPr lang="zh-TW" altLang="en-US" sz="5400" b="1" dirty="0" smtClean="0">
-                <a:solidFill>
-                  <a:srgbClr val="660033"/>
-                </a:solidFill>
-                <a:latin typeface="微軟正黑體" pitchFamily="34" charset="-120"/>
-                <a:ea typeface="微軟正黑體" pitchFamily="34" charset="-120"/>
-              </a:rPr>
-              <a:t>天</a:t>
-            </a:r>
-            <a:endParaRPr lang="en-US" altLang="zh-TW" sz="5400" b="1" dirty="0" smtClean="0">
+            <a:endParaRPr lang="en-US" altLang="zh-TW" sz="1200" b="1" dirty="0" smtClean="0">
               <a:solidFill>
                 <a:srgbClr val="660033"/>
               </a:solidFill>
@@ -3251,7 +3221,7 @@
               <a:buNone/>
             </a:pPr>
             <a:r>
-              <a:rPr lang="zh-TW" altLang="en-US" sz="5400" b="1" dirty="0" smtClean="0">
+              <a:rPr lang="zh-TW" altLang="en-US" sz="4800" b="1" dirty="0" smtClean="0">
                 <a:solidFill>
                   <a:srgbClr val="660033"/>
                 </a:solidFill>
@@ -3261,26 +3231,26 @@
               <a:t>你</a:t>
             </a:r>
             <a:r>
-              <a:rPr lang="zh-TW" altLang="en-US" sz="5400" b="1" dirty="0">
+              <a:rPr lang="zh-TW" altLang="en-US" sz="4800" b="1" dirty="0">
                 <a:solidFill>
                   <a:srgbClr val="660033"/>
                 </a:solidFill>
                 <a:latin typeface="微軟正黑體" pitchFamily="34" charset="-120"/>
                 <a:ea typeface="微軟正黑體" pitchFamily="34" charset="-120"/>
               </a:rPr>
-              <a:t>的誠實上達穹</a:t>
-            </a:r>
-            <a:r>
-              <a:rPr lang="zh-TW" altLang="en-US" sz="5400" b="1" dirty="0" smtClean="0">
+              <a:t>的慈愛高及諸</a:t>
+            </a:r>
+            <a:r>
+              <a:rPr lang="zh-TW" altLang="en-US" sz="4800" b="1" dirty="0" smtClean="0">
                 <a:solidFill>
                   <a:srgbClr val="660033"/>
                 </a:solidFill>
                 <a:latin typeface="微軟正黑體" pitchFamily="34" charset="-120"/>
                 <a:ea typeface="微軟正黑體" pitchFamily="34" charset="-120"/>
               </a:rPr>
-              <a:t>蒼</a:t>
-            </a:r>
-            <a:endParaRPr lang="en-US" altLang="zh-TW" sz="5400" b="1" dirty="0">
+              <a:t>天</a:t>
+            </a:r>
+            <a:endParaRPr lang="en-US" altLang="zh-TW" sz="4800" b="1" dirty="0" smtClean="0">
               <a:solidFill>
                 <a:srgbClr val="660033"/>
               </a:solidFill>
@@ -3293,7 +3263,7 @@
               <a:buNone/>
             </a:pPr>
             <a:r>
-              <a:rPr lang="zh-TW" altLang="en-US" sz="5400" b="1" dirty="0" smtClean="0">
+              <a:rPr lang="zh-TW" altLang="en-US" sz="4800" b="1" dirty="0" smtClean="0">
                 <a:solidFill>
                   <a:srgbClr val="660033"/>
                 </a:solidFill>
@@ -3303,26 +3273,26 @@
               <a:t>你</a:t>
             </a:r>
             <a:r>
-              <a:rPr lang="zh-TW" altLang="en-US" sz="5400" b="1" dirty="0">
+              <a:rPr lang="zh-TW" altLang="en-US" sz="4800" b="1" dirty="0">
                 <a:solidFill>
                   <a:srgbClr val="660033"/>
                 </a:solidFill>
                 <a:latin typeface="微軟正黑體" pitchFamily="34" charset="-120"/>
                 <a:ea typeface="微軟正黑體" pitchFamily="34" charset="-120"/>
               </a:rPr>
-              <a:t>的慈愛高及諸</a:t>
-            </a:r>
-            <a:r>
-              <a:rPr lang="zh-TW" altLang="en-US" sz="5400" b="1" dirty="0" smtClean="0">
+              <a:t>的誠實上達穹</a:t>
+            </a:r>
+            <a:r>
+              <a:rPr lang="zh-TW" altLang="en-US" sz="4800" b="1" dirty="0" smtClean="0">
                 <a:solidFill>
                   <a:srgbClr val="660033"/>
                 </a:solidFill>
                 <a:latin typeface="微軟正黑體" pitchFamily="34" charset="-120"/>
                 <a:ea typeface="微軟正黑體" pitchFamily="34" charset="-120"/>
               </a:rPr>
-              <a:t>天</a:t>
-            </a:r>
-            <a:endParaRPr lang="en-US" altLang="zh-TW" sz="5400" b="1" dirty="0" smtClean="0">
+              <a:t>蒼</a:t>
+            </a:r>
+            <a:endParaRPr lang="en-US" altLang="zh-TW" sz="4800" b="1" dirty="0" smtClean="0">
               <a:solidFill>
                 <a:srgbClr val="660033"/>
               </a:solidFill>
@@ -3335,26 +3305,16 @@
               <a:buNone/>
             </a:pPr>
             <a:r>
-              <a:rPr lang="zh-TW" altLang="en-US" sz="5400" b="1" dirty="0" smtClean="0">
+              <a:rPr lang="en-US" altLang="zh-TW" b="1" dirty="0" smtClean="0">
                 <a:solidFill>
                   <a:srgbClr val="660033"/>
                 </a:solidFill>
                 <a:latin typeface="微軟正黑體" pitchFamily="34" charset="-120"/>
                 <a:ea typeface="微軟正黑體" pitchFamily="34" charset="-120"/>
               </a:rPr>
-              <a:t>你</a:t>
-            </a:r>
-            <a:r>
-              <a:rPr lang="zh-TW" altLang="en-US" sz="5400" b="1" dirty="0">
-                <a:solidFill>
-                  <a:srgbClr val="660033"/>
-                </a:solidFill>
-                <a:latin typeface="微軟正黑體" pitchFamily="34" charset="-120"/>
-                <a:ea typeface="微軟正黑體" pitchFamily="34" charset="-120"/>
-              </a:rPr>
-              <a:t>的誠實上達穹蒼</a:t>
-            </a:r>
-            <a:endParaRPr lang="en-US" sz="5400" b="1" dirty="0">
+              <a:t>(x2)</a:t>
+            </a:r>
+            <a:endParaRPr lang="en-US" altLang="zh-TW" sz="4000" b="1" dirty="0">
               <a:solidFill>
                 <a:srgbClr val="660033"/>
               </a:solidFill>
@@ -3402,7 +3362,7 @@
         <p:spPr>
           <a:xfrm>
             <a:off x="457200" y="0"/>
-            <a:ext cx="8229600" cy="1143000"/>
+            <a:ext cx="8229600" cy="857250"/>
           </a:xfrm>
         </p:spPr>
         <p:txBody>
@@ -3441,8 +3401,8 @@
         </p:nvSpPr>
         <p:spPr>
           <a:xfrm>
-            <a:off x="457200" y="1828800"/>
-            <a:ext cx="8229600" cy="5029200"/>
+            <a:off x="457200" y="1047750"/>
+            <a:ext cx="8229600" cy="3771900"/>
           </a:xfrm>
         </p:spPr>
         <p:txBody>
@@ -3455,7 +3415,7 @@
               <a:buNone/>
             </a:pPr>
             <a:r>
-              <a:rPr lang="zh-TW" altLang="en-US" sz="5400" b="1" dirty="0" smtClean="0">
+              <a:rPr lang="zh-TW" altLang="en-US" sz="4800" b="1" dirty="0" smtClean="0">
                 <a:solidFill>
                   <a:srgbClr val="660033"/>
                 </a:solidFill>
@@ -3464,7 +3424,7 @@
               </a:rPr>
               <a:t>哈利路亞  哈利路亞</a:t>
             </a:r>
-            <a:endParaRPr lang="en-US" altLang="zh-TW" sz="5400" b="1" dirty="0" smtClean="0">
+            <a:endParaRPr lang="en-US" altLang="zh-TW" sz="4800" b="1" dirty="0" smtClean="0">
               <a:solidFill>
                 <a:srgbClr val="660033"/>
               </a:solidFill>
@@ -3477,7 +3437,7 @@
               <a:buNone/>
             </a:pPr>
             <a:r>
-              <a:rPr lang="zh-TW" altLang="en-US" sz="5400" b="1" dirty="0" smtClean="0">
+              <a:rPr lang="zh-TW" altLang="en-US" sz="4800" b="1" dirty="0" smtClean="0">
                 <a:solidFill>
                   <a:srgbClr val="660033"/>
                 </a:solidFill>
@@ -3486,7 +3446,7 @@
               </a:rPr>
               <a:t>你的慈愛高及諸天</a:t>
             </a:r>
-            <a:endParaRPr lang="en-US" altLang="zh-TW" sz="5400" b="1" dirty="0" smtClean="0">
+            <a:endParaRPr lang="en-US" altLang="zh-TW" sz="4800" b="1" dirty="0" smtClean="0">
               <a:solidFill>
                 <a:srgbClr val="660033"/>
               </a:solidFill>
@@ -3499,7 +3459,7 @@
               <a:buNone/>
             </a:pPr>
             <a:r>
-              <a:rPr lang="zh-TW" altLang="en-US" sz="5400" b="1" dirty="0" smtClean="0">
+              <a:rPr lang="zh-TW" altLang="en-US" sz="4800" b="1" dirty="0" smtClean="0">
                 <a:solidFill>
                   <a:srgbClr val="660033"/>
                 </a:solidFill>
@@ -3508,7 +3468,7 @@
               </a:rPr>
               <a:t>哈利路亞  哈利路亞</a:t>
             </a:r>
-            <a:endParaRPr lang="en-US" altLang="zh-TW" sz="5400" b="1" dirty="0" smtClean="0">
+            <a:endParaRPr lang="en-US" altLang="zh-TW" sz="4800" b="1" dirty="0" smtClean="0">
               <a:solidFill>
                 <a:srgbClr val="660033"/>
               </a:solidFill>
@@ -3521,7 +3481,7 @@
               <a:buNone/>
             </a:pPr>
             <a:r>
-              <a:rPr lang="zh-TW" altLang="en-US" sz="5400" b="1" dirty="0" smtClean="0">
+              <a:rPr lang="zh-TW" altLang="en-US" sz="4800" b="1" dirty="0" smtClean="0">
                 <a:solidFill>
                   <a:srgbClr val="660033"/>
                 </a:solidFill>
@@ -3530,7 +3490,7 @@
               </a:rPr>
               <a:t>你的誠實上達到穹蒼</a:t>
             </a:r>
-            <a:endParaRPr lang="en-US" sz="5400" b="1" dirty="0">
+            <a:endParaRPr lang="en-US" sz="4800" b="1" dirty="0">
               <a:solidFill>
                 <a:srgbClr val="660033"/>
               </a:solidFill>

--- a/願你崇高.pptx
+++ b/願你崇高.pptx
@@ -290,7 +290,7 @@
             <a:fld id="{3D5D771C-AFFE-47B3-886F-49CD4EBE8B05}" type="datetimeFigureOut">
               <a:rPr lang="en-US" smtClean="0"/>
               <a:pPr/>
-              <a:t>8/3/2019</a:t>
+              <a:t>9/21/2019</a:t>
             </a:fld>
             <a:endParaRPr lang="en-US"/>
           </a:p>
@@ -457,7 +457,7 @@
             <a:fld id="{3D5D771C-AFFE-47B3-886F-49CD4EBE8B05}" type="datetimeFigureOut">
               <a:rPr lang="en-US" smtClean="0"/>
               <a:pPr/>
-              <a:t>8/3/2019</a:t>
+              <a:t>9/21/2019</a:t>
             </a:fld>
             <a:endParaRPr lang="en-US"/>
           </a:p>
@@ -634,7 +634,7 @@
             <a:fld id="{3D5D771C-AFFE-47B3-886F-49CD4EBE8B05}" type="datetimeFigureOut">
               <a:rPr lang="en-US" smtClean="0"/>
               <a:pPr/>
-              <a:t>8/3/2019</a:t>
+              <a:t>9/21/2019</a:t>
             </a:fld>
             <a:endParaRPr lang="en-US"/>
           </a:p>
@@ -801,7 +801,7 @@
             <a:fld id="{3D5D771C-AFFE-47B3-886F-49CD4EBE8B05}" type="datetimeFigureOut">
               <a:rPr lang="en-US" smtClean="0"/>
               <a:pPr/>
-              <a:t>8/3/2019</a:t>
+              <a:t>9/21/2019</a:t>
             </a:fld>
             <a:endParaRPr lang="en-US"/>
           </a:p>
@@ -1044,7 +1044,7 @@
             <a:fld id="{3D5D771C-AFFE-47B3-886F-49CD4EBE8B05}" type="datetimeFigureOut">
               <a:rPr lang="en-US" smtClean="0"/>
               <a:pPr/>
-              <a:t>8/3/2019</a:t>
+              <a:t>9/21/2019</a:t>
             </a:fld>
             <a:endParaRPr lang="en-US"/>
           </a:p>
@@ -1329,7 +1329,7 @@
             <a:fld id="{3D5D771C-AFFE-47B3-886F-49CD4EBE8B05}" type="datetimeFigureOut">
               <a:rPr lang="en-US" smtClean="0"/>
               <a:pPr/>
-              <a:t>8/3/2019</a:t>
+              <a:t>9/21/2019</a:t>
             </a:fld>
             <a:endParaRPr lang="en-US"/>
           </a:p>
@@ -1748,7 +1748,7 @@
             <a:fld id="{3D5D771C-AFFE-47B3-886F-49CD4EBE8B05}" type="datetimeFigureOut">
               <a:rPr lang="en-US" smtClean="0"/>
               <a:pPr/>
-              <a:t>8/3/2019</a:t>
+              <a:t>9/21/2019</a:t>
             </a:fld>
             <a:endParaRPr lang="en-US"/>
           </a:p>
@@ -1863,7 +1863,7 @@
             <a:fld id="{3D5D771C-AFFE-47B3-886F-49CD4EBE8B05}" type="datetimeFigureOut">
               <a:rPr lang="en-US" smtClean="0"/>
               <a:pPr/>
-              <a:t>8/3/2019</a:t>
+              <a:t>9/21/2019</a:t>
             </a:fld>
             <a:endParaRPr lang="en-US"/>
           </a:p>
@@ -1955,7 +1955,7 @@
             <a:fld id="{3D5D771C-AFFE-47B3-886F-49CD4EBE8B05}" type="datetimeFigureOut">
               <a:rPr lang="en-US" smtClean="0"/>
               <a:pPr/>
-              <a:t>8/3/2019</a:t>
+              <a:t>9/21/2019</a:t>
             </a:fld>
             <a:endParaRPr lang="en-US"/>
           </a:p>
@@ -2229,7 +2229,7 @@
             <a:fld id="{3D5D771C-AFFE-47B3-886F-49CD4EBE8B05}" type="datetimeFigureOut">
               <a:rPr lang="en-US" smtClean="0"/>
               <a:pPr/>
-              <a:t>8/3/2019</a:t>
+              <a:t>9/21/2019</a:t>
             </a:fld>
             <a:endParaRPr lang="en-US"/>
           </a:p>
@@ -2483,7 +2483,7 @@
             <a:fld id="{3D5D771C-AFFE-47B3-886F-49CD4EBE8B05}" type="datetimeFigureOut">
               <a:rPr lang="en-US" smtClean="0"/>
               <a:pPr/>
-              <a:t>8/3/2019</a:t>
+              <a:t>9/21/2019</a:t>
             </a:fld>
             <a:endParaRPr lang="en-US"/>
           </a:p>
@@ -2698,7 +2698,7 @@
             <a:fld id="{3D5D771C-AFFE-47B3-886F-49CD4EBE8B05}" type="datetimeFigureOut">
               <a:rPr lang="en-US" smtClean="0"/>
               <a:pPr/>
-              <a:t>8/3/2019</a:t>
+              <a:t>9/21/2019</a:t>
             </a:fld>
             <a:endParaRPr lang="en-US"/>
           </a:p>
@@ -3086,11 +3086,13 @@
           </a:xfrm>
         </p:spPr>
         <p:txBody>
-          <a:bodyPr/>
-          <a:lstStyle/>
-          <a:p>
-            <a:r>
-              <a:rPr lang="zh-CN" altLang="en-US" b="1" dirty="0" smtClean="0">
+          <a:bodyPr>
+            <a:normAutofit/>
+          </a:bodyPr>
+          <a:lstStyle/>
+          <a:p>
+            <a:r>
+              <a:rPr lang="zh-CN" altLang="en-US" sz="4000" b="1" dirty="0" smtClean="0">
                 <a:solidFill>
                   <a:srgbClr val="660033"/>
                 </a:solidFill>
@@ -3099,7 +3101,7 @@
               </a:rPr>
               <a:t>願你崇高</a:t>
             </a:r>
-            <a:endParaRPr lang="en-US" b="1" dirty="0">
+            <a:endParaRPr lang="en-US" sz="4000" b="1" dirty="0">
               <a:solidFill>
                 <a:srgbClr val="660033"/>
               </a:solidFill>
@@ -3366,11 +3368,13 @@
           </a:xfrm>
         </p:spPr>
         <p:txBody>
-          <a:bodyPr/>
-          <a:lstStyle/>
-          <a:p>
-            <a:r>
-              <a:rPr lang="zh-CN" altLang="en-US" b="1" dirty="0" smtClean="0">
+          <a:bodyPr>
+            <a:normAutofit/>
+          </a:bodyPr>
+          <a:lstStyle/>
+          <a:p>
+            <a:r>
+              <a:rPr lang="zh-CN" altLang="en-US" sz="4000" b="1" dirty="0" smtClean="0">
                 <a:solidFill>
                   <a:srgbClr val="660033"/>
                 </a:solidFill>
@@ -3379,7 +3383,7 @@
               </a:rPr>
               <a:t>願你崇高</a:t>
             </a:r>
-            <a:endParaRPr lang="en-US" b="1" dirty="0">
+            <a:endParaRPr lang="en-US" sz="4000" b="1" dirty="0">
               <a:solidFill>
                 <a:srgbClr val="660033"/>
               </a:solidFill>

--- a/願你崇高.pptx
+++ b/願你崇高.pptx
@@ -105,6 +105,22 @@
       </a:defRPr>
     </a:lvl9pPr>
   </p:defaultTextStyle>
+  <p:extLst>
+    <p:ext uri="{EFAFB233-063F-42B5-8137-9DF3F51BA10A}">
+      <p15:sldGuideLst xmlns:p15="http://schemas.microsoft.com/office/powerpoint/2012/main">
+        <p15:guide id="1" orient="horz" pos="1620">
+          <p15:clr>
+            <a:srgbClr val="A4A3A4"/>
+          </p15:clr>
+        </p15:guide>
+        <p15:guide id="2" pos="2880">
+          <p15:clr>
+            <a:srgbClr val="A4A3A4"/>
+          </p15:clr>
+        </p15:guide>
+      </p15:sldGuideLst>
+    </p:ext>
+  </p:extLst>
 </p:presentation>
 </file>
 
@@ -290,7 +306,7 @@
             <a:fld id="{3D5D771C-AFFE-47B3-886F-49CD4EBE8B05}" type="datetimeFigureOut">
               <a:rPr lang="en-US" smtClean="0"/>
               <a:pPr/>
-              <a:t>9/21/2019</a:t>
+              <a:t>9/19/2020</a:t>
             </a:fld>
             <a:endParaRPr lang="en-US"/>
           </a:p>
@@ -457,7 +473,7 @@
             <a:fld id="{3D5D771C-AFFE-47B3-886F-49CD4EBE8B05}" type="datetimeFigureOut">
               <a:rPr lang="en-US" smtClean="0"/>
               <a:pPr/>
-              <a:t>9/21/2019</a:t>
+              <a:t>9/19/2020</a:t>
             </a:fld>
             <a:endParaRPr lang="en-US"/>
           </a:p>
@@ -634,7 +650,7 @@
             <a:fld id="{3D5D771C-AFFE-47B3-886F-49CD4EBE8B05}" type="datetimeFigureOut">
               <a:rPr lang="en-US" smtClean="0"/>
               <a:pPr/>
-              <a:t>9/21/2019</a:t>
+              <a:t>9/19/2020</a:t>
             </a:fld>
             <a:endParaRPr lang="en-US"/>
           </a:p>
@@ -801,7 +817,7 @@
             <a:fld id="{3D5D771C-AFFE-47B3-886F-49CD4EBE8B05}" type="datetimeFigureOut">
               <a:rPr lang="en-US" smtClean="0"/>
               <a:pPr/>
-              <a:t>9/21/2019</a:t>
+              <a:t>9/19/2020</a:t>
             </a:fld>
             <a:endParaRPr lang="en-US"/>
           </a:p>
@@ -1044,7 +1060,7 @@
             <a:fld id="{3D5D771C-AFFE-47B3-886F-49CD4EBE8B05}" type="datetimeFigureOut">
               <a:rPr lang="en-US" smtClean="0"/>
               <a:pPr/>
-              <a:t>9/21/2019</a:t>
+              <a:t>9/19/2020</a:t>
             </a:fld>
             <a:endParaRPr lang="en-US"/>
           </a:p>
@@ -1329,7 +1345,7 @@
             <a:fld id="{3D5D771C-AFFE-47B3-886F-49CD4EBE8B05}" type="datetimeFigureOut">
               <a:rPr lang="en-US" smtClean="0"/>
               <a:pPr/>
-              <a:t>9/21/2019</a:t>
+              <a:t>9/19/2020</a:t>
             </a:fld>
             <a:endParaRPr lang="en-US"/>
           </a:p>
@@ -1748,7 +1764,7 @@
             <a:fld id="{3D5D771C-AFFE-47B3-886F-49CD4EBE8B05}" type="datetimeFigureOut">
               <a:rPr lang="en-US" smtClean="0"/>
               <a:pPr/>
-              <a:t>9/21/2019</a:t>
+              <a:t>9/19/2020</a:t>
             </a:fld>
             <a:endParaRPr lang="en-US"/>
           </a:p>
@@ -1863,7 +1879,7 @@
             <a:fld id="{3D5D771C-AFFE-47B3-886F-49CD4EBE8B05}" type="datetimeFigureOut">
               <a:rPr lang="en-US" smtClean="0"/>
               <a:pPr/>
-              <a:t>9/21/2019</a:t>
+              <a:t>9/19/2020</a:t>
             </a:fld>
             <a:endParaRPr lang="en-US"/>
           </a:p>
@@ -1955,7 +1971,7 @@
             <a:fld id="{3D5D771C-AFFE-47B3-886F-49CD4EBE8B05}" type="datetimeFigureOut">
               <a:rPr lang="en-US" smtClean="0"/>
               <a:pPr/>
-              <a:t>9/21/2019</a:t>
+              <a:t>9/19/2020</a:t>
             </a:fld>
             <a:endParaRPr lang="en-US"/>
           </a:p>
@@ -2229,7 +2245,7 @@
             <a:fld id="{3D5D771C-AFFE-47B3-886F-49CD4EBE8B05}" type="datetimeFigureOut">
               <a:rPr lang="en-US" smtClean="0"/>
               <a:pPr/>
-              <a:t>9/21/2019</a:t>
+              <a:t>9/19/2020</a:t>
             </a:fld>
             <a:endParaRPr lang="en-US"/>
           </a:p>
@@ -2483,7 +2499,7 @@
             <a:fld id="{3D5D771C-AFFE-47B3-886F-49CD4EBE8B05}" type="datetimeFigureOut">
               <a:rPr lang="en-US" smtClean="0"/>
               <a:pPr/>
-              <a:t>9/21/2019</a:t>
+              <a:t>9/19/2020</a:t>
             </a:fld>
             <a:endParaRPr lang="en-US"/>
           </a:p>
@@ -2698,7 +2714,7 @@
             <a:fld id="{3D5D771C-AFFE-47B3-886F-49CD4EBE8B05}" type="datetimeFigureOut">
               <a:rPr lang="en-US" smtClean="0"/>
               <a:pPr/>
-              <a:t>9/21/2019</a:t>
+              <a:t>9/19/2020</a:t>
             </a:fld>
             <a:endParaRPr lang="en-US"/>
           </a:p>
@@ -3099,7 +3115,17 @@
                 <a:latin typeface="微軟正黑體" pitchFamily="34" charset="-120"/>
                 <a:ea typeface="微軟正黑體" pitchFamily="34" charset="-120"/>
               </a:rPr>
-              <a:t>願你崇高</a:t>
+              <a:t>願袮崇</a:t>
+            </a:r>
+            <a:r>
+              <a:rPr lang="zh-CN" altLang="en-US" sz="4000" b="1" dirty="0" smtClean="0">
+                <a:solidFill>
+                  <a:srgbClr val="660033"/>
+                </a:solidFill>
+                <a:latin typeface="微軟正黑體" pitchFamily="34" charset="-120"/>
+                <a:ea typeface="微軟正黑體" pitchFamily="34" charset="-120"/>
+              </a:rPr>
+              <a:t>高</a:t>
             </a:r>
             <a:endParaRPr lang="en-US" sz="4000" b="1" dirty="0">
               <a:solidFill>
@@ -3144,7 +3170,7 @@
                 <a:latin typeface="微軟正黑體" pitchFamily="34" charset="-120"/>
                 <a:ea typeface="微軟正黑體" pitchFamily="34" charset="-120"/>
               </a:rPr>
-              <a:t>我要在萬民中稱謝</a:t>
+              <a:t>我要在萬民中稱</a:t>
             </a:r>
             <a:r>
               <a:rPr lang="zh-TW" altLang="en-US" sz="4800" b="1" dirty="0" smtClean="0">
@@ -3154,7 +3180,17 @@
                 <a:latin typeface="微軟正黑體" pitchFamily="34" charset="-120"/>
                 <a:ea typeface="微軟正黑體" pitchFamily="34" charset="-120"/>
               </a:rPr>
-              <a:t>你</a:t>
+              <a:t>謝</a:t>
+            </a:r>
+            <a:r>
+              <a:rPr lang="zh-CN" altLang="en-US" sz="4800" b="1" dirty="0">
+                <a:solidFill>
+                  <a:srgbClr val="660033"/>
+                </a:solidFill>
+                <a:latin typeface="微軟正黑體" pitchFamily="34" charset="-120"/>
+                <a:ea typeface="微軟正黑體" pitchFamily="34" charset="-120"/>
+              </a:rPr>
+              <a:t>袮</a:t>
             </a:r>
             <a:endParaRPr lang="en-US" altLang="zh-TW" sz="4800" b="1" dirty="0" smtClean="0">
               <a:solidFill>
@@ -3186,7 +3222,7 @@
                 <a:latin typeface="微軟正黑體" pitchFamily="34" charset="-120"/>
                 <a:ea typeface="微軟正黑體" pitchFamily="34" charset="-120"/>
               </a:rPr>
-              <a:t>要在列邦中歌頌</a:t>
+              <a:t>要在列邦中歌</a:t>
             </a:r>
             <a:r>
               <a:rPr lang="zh-TW" altLang="en-US" sz="4800" b="1" dirty="0" smtClean="0">
@@ -3196,7 +3232,17 @@
                 <a:latin typeface="微軟正黑體" pitchFamily="34" charset="-120"/>
                 <a:ea typeface="微軟正黑體" pitchFamily="34" charset="-120"/>
               </a:rPr>
-              <a:t>你</a:t>
+              <a:t>頌</a:t>
+            </a:r>
+            <a:r>
+              <a:rPr lang="zh-CN" altLang="en-US" sz="4800" b="1" dirty="0">
+                <a:solidFill>
+                  <a:srgbClr val="660033"/>
+                </a:solidFill>
+                <a:latin typeface="微軟正黑體" pitchFamily="34" charset="-120"/>
+                <a:ea typeface="微軟正黑體" pitchFamily="34" charset="-120"/>
+              </a:rPr>
+              <a:t>袮</a:t>
             </a:r>
             <a:endParaRPr lang="en-US" altLang="zh-TW" sz="4800" b="1" dirty="0">
               <a:solidFill>
@@ -3223,24 +3269,34 @@
               <a:buNone/>
             </a:pPr>
             <a:r>
-              <a:rPr lang="zh-TW" altLang="en-US" sz="4800" b="1" dirty="0" smtClean="0">
+              <a:rPr lang="zh-CN" altLang="en-US" sz="4800" b="1" dirty="0">
                 <a:solidFill>
                   <a:srgbClr val="660033"/>
                 </a:solidFill>
                 <a:latin typeface="微軟正黑體" pitchFamily="34" charset="-120"/>
                 <a:ea typeface="微軟正黑體" pitchFamily="34" charset="-120"/>
               </a:rPr>
-              <a:t>你</a:t>
-            </a:r>
-            <a:r>
-              <a:rPr lang="zh-TW" altLang="en-US" sz="4800" b="1" dirty="0">
+              <a:t>袮</a:t>
+            </a:r>
+            <a:r>
+              <a:rPr lang="zh-TW" altLang="en-US" sz="4800" b="1" dirty="0" smtClean="0">
                 <a:solidFill>
                   <a:srgbClr val="660033"/>
                 </a:solidFill>
                 <a:latin typeface="微軟正黑體" pitchFamily="34" charset="-120"/>
                 <a:ea typeface="微軟正黑體" pitchFamily="34" charset="-120"/>
               </a:rPr>
-              <a:t>的慈愛高及諸</a:t>
+              <a:t>的</a:t>
+            </a:r>
+            <a:r>
+              <a:rPr lang="zh-TW" altLang="en-US" sz="4800" b="1" dirty="0">
+                <a:solidFill>
+                  <a:srgbClr val="660033"/>
+                </a:solidFill>
+                <a:latin typeface="微軟正黑體" pitchFamily="34" charset="-120"/>
+                <a:ea typeface="微軟正黑體" pitchFamily="34" charset="-120"/>
+              </a:rPr>
+              <a:t>慈愛高及諸</a:t>
             </a:r>
             <a:r>
               <a:rPr lang="zh-TW" altLang="en-US" sz="4800" b="1" dirty="0" smtClean="0">
@@ -3265,24 +3321,34 @@
               <a:buNone/>
             </a:pPr>
             <a:r>
-              <a:rPr lang="zh-TW" altLang="en-US" sz="4800" b="1" dirty="0" smtClean="0">
+              <a:rPr lang="zh-CN" altLang="en-US" sz="4800" b="1" dirty="0">
                 <a:solidFill>
                   <a:srgbClr val="660033"/>
                 </a:solidFill>
                 <a:latin typeface="微軟正黑體" pitchFamily="34" charset="-120"/>
                 <a:ea typeface="微軟正黑體" pitchFamily="34" charset="-120"/>
               </a:rPr>
-              <a:t>你</a:t>
-            </a:r>
-            <a:r>
-              <a:rPr lang="zh-TW" altLang="en-US" sz="4800" b="1" dirty="0">
+              <a:t>袮</a:t>
+            </a:r>
+            <a:r>
+              <a:rPr lang="zh-TW" altLang="en-US" sz="4800" b="1" dirty="0" smtClean="0">
                 <a:solidFill>
                   <a:srgbClr val="660033"/>
                 </a:solidFill>
                 <a:latin typeface="微軟正黑體" pitchFamily="34" charset="-120"/>
                 <a:ea typeface="微軟正黑體" pitchFamily="34" charset="-120"/>
               </a:rPr>
-              <a:t>的誠實上達穹</a:t>
+              <a:t>的</a:t>
+            </a:r>
+            <a:r>
+              <a:rPr lang="zh-TW" altLang="en-US" sz="4800" b="1" dirty="0">
+                <a:solidFill>
+                  <a:srgbClr val="660033"/>
+                </a:solidFill>
+                <a:latin typeface="微軟正黑體" pitchFamily="34" charset="-120"/>
+                <a:ea typeface="微軟正黑體" pitchFamily="34" charset="-120"/>
+              </a:rPr>
+              <a:t>誠實上達穹</a:t>
             </a:r>
             <a:r>
               <a:rPr lang="zh-TW" altLang="en-US" sz="4800" b="1" dirty="0" smtClean="0">
@@ -3374,14 +3440,24 @@
           <a:lstStyle/>
           <a:p>
             <a:r>
-              <a:rPr lang="zh-CN" altLang="en-US" sz="4000" b="1" dirty="0" smtClean="0">
+              <a:rPr lang="zh-CN" altLang="en-US" sz="4000" b="1" dirty="0">
                 <a:solidFill>
                   <a:srgbClr val="660033"/>
                 </a:solidFill>
                 <a:latin typeface="微軟正黑體" pitchFamily="34" charset="-120"/>
                 <a:ea typeface="微軟正黑體" pitchFamily="34" charset="-120"/>
               </a:rPr>
-              <a:t>願你崇高</a:t>
+              <a:t>願袮崇</a:t>
+            </a:r>
+            <a:r>
+              <a:rPr lang="zh-CN" altLang="en-US" sz="4000" b="1" dirty="0" smtClean="0">
+                <a:solidFill>
+                  <a:srgbClr val="660033"/>
+                </a:solidFill>
+                <a:latin typeface="微軟正黑體" pitchFamily="34" charset="-120"/>
+                <a:ea typeface="微軟正黑體" pitchFamily="34" charset="-120"/>
+              </a:rPr>
+              <a:t>高</a:t>
             </a:r>
             <a:endParaRPr lang="en-US" sz="4000" b="1" dirty="0">
               <a:solidFill>
@@ -3441,14 +3517,34 @@
               <a:buNone/>
             </a:pPr>
             <a:r>
-              <a:rPr lang="zh-TW" altLang="en-US" sz="4800" b="1" dirty="0" smtClean="0">
+              <a:rPr lang="zh-CN" altLang="en-US" sz="4800" b="1" dirty="0">
                 <a:solidFill>
                   <a:srgbClr val="660033"/>
                 </a:solidFill>
                 <a:latin typeface="微軟正黑體" pitchFamily="34" charset="-120"/>
                 <a:ea typeface="微軟正黑體" pitchFamily="34" charset="-120"/>
               </a:rPr>
-              <a:t>你的慈愛高及諸天</a:t>
+              <a:t>袮</a:t>
+            </a:r>
+            <a:r>
+              <a:rPr lang="zh-TW" altLang="en-US" sz="4800" b="1" dirty="0" smtClean="0">
+                <a:solidFill>
+                  <a:srgbClr val="660033"/>
+                </a:solidFill>
+                <a:latin typeface="微軟正黑體" pitchFamily="34" charset="-120"/>
+                <a:ea typeface="微軟正黑體" pitchFamily="34" charset="-120"/>
+              </a:rPr>
+              <a:t>的</a:t>
+            </a:r>
+            <a:r>
+              <a:rPr lang="zh-TW" altLang="en-US" sz="4800" b="1" dirty="0" smtClean="0">
+                <a:solidFill>
+                  <a:srgbClr val="660033"/>
+                </a:solidFill>
+                <a:latin typeface="微軟正黑體" pitchFamily="34" charset="-120"/>
+                <a:ea typeface="微軟正黑體" pitchFamily="34" charset="-120"/>
+              </a:rPr>
+              <a:t>慈愛高及諸天</a:t>
             </a:r>
             <a:endParaRPr lang="en-US" altLang="zh-TW" sz="4800" b="1" dirty="0" smtClean="0">
               <a:solidFill>
@@ -3485,14 +3581,34 @@
               <a:buNone/>
             </a:pPr>
             <a:r>
-              <a:rPr lang="zh-TW" altLang="en-US" sz="4800" b="1" dirty="0" smtClean="0">
+              <a:rPr lang="zh-CN" altLang="en-US" sz="4800" b="1" dirty="0">
                 <a:solidFill>
                   <a:srgbClr val="660033"/>
                 </a:solidFill>
                 <a:latin typeface="微軟正黑體" pitchFamily="34" charset="-120"/>
                 <a:ea typeface="微軟正黑體" pitchFamily="34" charset="-120"/>
               </a:rPr>
-              <a:t>你的誠實上達到穹蒼</a:t>
+              <a:t>袮</a:t>
+            </a:r>
+            <a:r>
+              <a:rPr lang="zh-TW" altLang="en-US" sz="4800" b="1" smtClean="0">
+                <a:solidFill>
+                  <a:srgbClr val="660033"/>
+                </a:solidFill>
+                <a:latin typeface="微軟正黑體" pitchFamily="34" charset="-120"/>
+                <a:ea typeface="微軟正黑體" pitchFamily="34" charset="-120"/>
+              </a:rPr>
+              <a:t>的</a:t>
+            </a:r>
+            <a:r>
+              <a:rPr lang="zh-TW" altLang="en-US" sz="4800" b="1" dirty="0" smtClean="0">
+                <a:solidFill>
+                  <a:srgbClr val="660033"/>
+                </a:solidFill>
+                <a:latin typeface="微軟正黑體" pitchFamily="34" charset="-120"/>
+                <a:ea typeface="微軟正黑體" pitchFamily="34" charset="-120"/>
+              </a:rPr>
+              <a:t>誠實上達到穹蒼</a:t>
             </a:r>
             <a:endParaRPr lang="en-US" sz="4800" b="1" dirty="0">
               <a:solidFill>

--- a/願你崇高.pptx
+++ b/願你崇高.pptx
@@ -5,8 +5,11 @@
     <p:sldMasterId id="2147483673" r:id="rId1"/>
   </p:sldMasterIdLst>
   <p:sldIdLst>
-    <p:sldId id="256" r:id="rId2"/>
-    <p:sldId id="257" r:id="rId3"/>
+    <p:sldId id="258" r:id="rId2"/>
+    <p:sldId id="259" r:id="rId3"/>
+    <p:sldId id="260" r:id="rId4"/>
+    <p:sldId id="261" r:id="rId5"/>
+    <p:sldId id="262" r:id="rId6"/>
   </p:sldIdLst>
   <p:sldSz cx="9144000" cy="5143500" type="screen16x9"/>
   <p:notesSz cx="6858000" cy="9144000"/>
@@ -306,7 +309,7 @@
             <a:fld id="{3D5D771C-AFFE-47B3-886F-49CD4EBE8B05}" type="datetimeFigureOut">
               <a:rPr lang="en-US" smtClean="0"/>
               <a:pPr/>
-              <a:t>9/19/2020</a:t>
+              <a:t>7/7/2022</a:t>
             </a:fld>
             <a:endParaRPr lang="en-US"/>
           </a:p>
@@ -473,7 +476,7 @@
             <a:fld id="{3D5D771C-AFFE-47B3-886F-49CD4EBE8B05}" type="datetimeFigureOut">
               <a:rPr lang="en-US" smtClean="0"/>
               <a:pPr/>
-              <a:t>9/19/2020</a:t>
+              <a:t>7/7/2022</a:t>
             </a:fld>
             <a:endParaRPr lang="en-US"/>
           </a:p>
@@ -650,7 +653,7 @@
             <a:fld id="{3D5D771C-AFFE-47B3-886F-49CD4EBE8B05}" type="datetimeFigureOut">
               <a:rPr lang="en-US" smtClean="0"/>
               <a:pPr/>
-              <a:t>9/19/2020</a:t>
+              <a:t>7/7/2022</a:t>
             </a:fld>
             <a:endParaRPr lang="en-US"/>
           </a:p>
@@ -817,7 +820,7 @@
             <a:fld id="{3D5D771C-AFFE-47B3-886F-49CD4EBE8B05}" type="datetimeFigureOut">
               <a:rPr lang="en-US" smtClean="0"/>
               <a:pPr/>
-              <a:t>9/19/2020</a:t>
+              <a:t>7/7/2022</a:t>
             </a:fld>
             <a:endParaRPr lang="en-US"/>
           </a:p>
@@ -1060,7 +1063,7 @@
             <a:fld id="{3D5D771C-AFFE-47B3-886F-49CD4EBE8B05}" type="datetimeFigureOut">
               <a:rPr lang="en-US" smtClean="0"/>
               <a:pPr/>
-              <a:t>9/19/2020</a:t>
+              <a:t>7/7/2022</a:t>
             </a:fld>
             <a:endParaRPr lang="en-US"/>
           </a:p>
@@ -1345,7 +1348,7 @@
             <a:fld id="{3D5D771C-AFFE-47B3-886F-49CD4EBE8B05}" type="datetimeFigureOut">
               <a:rPr lang="en-US" smtClean="0"/>
               <a:pPr/>
-              <a:t>9/19/2020</a:t>
+              <a:t>7/7/2022</a:t>
             </a:fld>
             <a:endParaRPr lang="en-US"/>
           </a:p>
@@ -1764,7 +1767,7 @@
             <a:fld id="{3D5D771C-AFFE-47B3-886F-49CD4EBE8B05}" type="datetimeFigureOut">
               <a:rPr lang="en-US" smtClean="0"/>
               <a:pPr/>
-              <a:t>9/19/2020</a:t>
+              <a:t>7/7/2022</a:t>
             </a:fld>
             <a:endParaRPr lang="en-US"/>
           </a:p>
@@ -1879,7 +1882,7 @@
             <a:fld id="{3D5D771C-AFFE-47B3-886F-49CD4EBE8B05}" type="datetimeFigureOut">
               <a:rPr lang="en-US" smtClean="0"/>
               <a:pPr/>
-              <a:t>9/19/2020</a:t>
+              <a:t>7/7/2022</a:t>
             </a:fld>
             <a:endParaRPr lang="en-US"/>
           </a:p>
@@ -1971,7 +1974,7 @@
             <a:fld id="{3D5D771C-AFFE-47B3-886F-49CD4EBE8B05}" type="datetimeFigureOut">
               <a:rPr lang="en-US" smtClean="0"/>
               <a:pPr/>
-              <a:t>9/19/2020</a:t>
+              <a:t>7/7/2022</a:t>
             </a:fld>
             <a:endParaRPr lang="en-US"/>
           </a:p>
@@ -2245,7 +2248,7 @@
             <a:fld id="{3D5D771C-AFFE-47B3-886F-49CD4EBE8B05}" type="datetimeFigureOut">
               <a:rPr lang="en-US" smtClean="0"/>
               <a:pPr/>
-              <a:t>9/19/2020</a:t>
+              <a:t>7/7/2022</a:t>
             </a:fld>
             <a:endParaRPr lang="en-US"/>
           </a:p>
@@ -2499,7 +2502,7 @@
             <a:fld id="{3D5D771C-AFFE-47B3-886F-49CD4EBE8B05}" type="datetimeFigureOut">
               <a:rPr lang="en-US" smtClean="0"/>
               <a:pPr/>
-              <a:t>9/19/2020</a:t>
+              <a:t>7/7/2022</a:t>
             </a:fld>
             <a:endParaRPr lang="en-US"/>
           </a:p>
@@ -2714,7 +2717,7 @@
             <a:fld id="{3D5D771C-AFFE-47B3-886F-49CD4EBE8B05}" type="datetimeFigureOut">
               <a:rPr lang="en-US" smtClean="0"/>
               <a:pPr/>
-              <a:t>9/19/2020</a:t>
+              <a:t>7/7/2022</a:t>
             </a:fld>
             <a:endParaRPr lang="en-US"/>
           </a:p>
@@ -3087,7 +3090,7 @@
       </p:grpSpPr>
       <p:sp>
         <p:nvSpPr>
-          <p:cNvPr id="4" name="Title 3"/>
+          <p:cNvPr id="4" name="標題 3"/>
           <p:cNvSpPr>
             <a:spLocks noGrp="1"/>
           </p:cNvSpPr>
@@ -3097,302 +3100,73 @@
         </p:nvSpPr>
         <p:spPr>
           <a:xfrm>
-            <a:off x="457200" y="0"/>
-            <a:ext cx="8229600" cy="857250"/>
+            <a:off x="0" y="1995686"/>
+            <a:ext cx="9144000" cy="857250"/>
           </a:xfrm>
         </p:spPr>
         <p:txBody>
           <a:bodyPr>
-            <a:normAutofit/>
+            <a:noAutofit/>
           </a:bodyPr>
           <a:lstStyle/>
           <a:p>
             <a:r>
-              <a:rPr lang="zh-CN" altLang="en-US" sz="4000" b="1" dirty="0" smtClean="0">
+              <a:rPr lang="zh-CN" altLang="en-US" sz="5400" b="1" i="1" dirty="0">
                 <a:solidFill>
                   <a:srgbClr val="660033"/>
                 </a:solidFill>
+                <a:effectLst>
+                  <a:outerShdw blurRad="38100" dist="38100" dir="2700000" algn="tl">
+                    <a:srgbClr val="000000">
+                      <a:alpha val="43137"/>
+                    </a:srgbClr>
+                  </a:outerShdw>
+                </a:effectLst>
                 <a:latin typeface="微軟正黑體" pitchFamily="34" charset="-120"/>
                 <a:ea typeface="微軟正黑體" pitchFamily="34" charset="-120"/>
               </a:rPr>
-              <a:t>願袮崇</a:t>
-            </a:r>
-            <a:r>
-              <a:rPr lang="zh-CN" altLang="en-US" sz="4000" b="1" dirty="0" smtClean="0">
+              <a:t>願</a:t>
+            </a:r>
+            <a:r>
+              <a:rPr lang="zh-CN" altLang="en-US" sz="5400" b="1" i="1" dirty="0">
                 <a:solidFill>
                   <a:srgbClr val="660033"/>
                 </a:solidFill>
+                <a:effectLst>
+                  <a:outerShdw blurRad="38100" dist="38100" dir="2700000" algn="tl">
+                    <a:srgbClr val="000000">
+                      <a:alpha val="43137"/>
+                    </a:srgbClr>
+                  </a:outerShdw>
+                </a:effectLst>
                 <a:latin typeface="微軟正黑體" pitchFamily="34" charset="-120"/>
                 <a:ea typeface="微軟正黑體" pitchFamily="34" charset="-120"/>
               </a:rPr>
-              <a:t>高</a:t>
-            </a:r>
-            <a:endParaRPr lang="en-US" sz="4000" b="1" dirty="0">
+              <a:t>袮崇高</a:t>
+            </a:r>
+            <a:endParaRPr lang="zh-TW" altLang="en-US" sz="5400" b="1" i="1" dirty="0">
               <a:solidFill>
                 <a:srgbClr val="660033"/>
               </a:solidFill>
+              <a:effectLst>
+                <a:outerShdw blurRad="38100" dist="38100" dir="2700000" algn="tl">
+                  <a:srgbClr val="000000">
+                    <a:alpha val="43137"/>
+                  </a:srgbClr>
+                </a:outerShdw>
+              </a:effectLst>
               <a:latin typeface="微軟正黑體" pitchFamily="34" charset="-120"/>
               <a:ea typeface="微軟正黑體" pitchFamily="34" charset="-120"/>
             </a:endParaRPr>
           </a:p>
         </p:txBody>
       </p:sp>
-      <p:sp>
-        <p:nvSpPr>
-          <p:cNvPr id="5" name="Content Placeholder 4"/>
-          <p:cNvSpPr>
-            <a:spLocks noGrp="1"/>
-          </p:cNvSpPr>
-          <p:nvPr>
-            <p:ph idx="1"/>
-          </p:nvPr>
-        </p:nvSpPr>
-        <p:spPr>
-          <a:xfrm>
-            <a:off x="0" y="895350"/>
-            <a:ext cx="9144000" cy="4248150"/>
-          </a:xfrm>
-        </p:spPr>
-        <p:txBody>
-          <a:bodyPr>
-            <a:noAutofit/>
-          </a:bodyPr>
-          <a:lstStyle/>
-          <a:p>
-            <a:pPr algn="ctr">
-              <a:buNone/>
-            </a:pPr>
-            <a:r>
-              <a:rPr lang="zh-TW" altLang="en-US" sz="4800" b="1" dirty="0">
-                <a:solidFill>
-                  <a:srgbClr val="660033"/>
-                </a:solidFill>
-                <a:latin typeface="微軟正黑體" pitchFamily="34" charset="-120"/>
-                <a:ea typeface="微軟正黑體" pitchFamily="34" charset="-120"/>
-              </a:rPr>
-              <a:t>我要在萬民中稱</a:t>
-            </a:r>
-            <a:r>
-              <a:rPr lang="zh-TW" altLang="en-US" sz="4800" b="1" dirty="0" smtClean="0">
-                <a:solidFill>
-                  <a:srgbClr val="660033"/>
-                </a:solidFill>
-                <a:latin typeface="微軟正黑體" pitchFamily="34" charset="-120"/>
-                <a:ea typeface="微軟正黑體" pitchFamily="34" charset="-120"/>
-              </a:rPr>
-              <a:t>謝</a:t>
-            </a:r>
-            <a:r>
-              <a:rPr lang="zh-CN" altLang="en-US" sz="4800" b="1" dirty="0">
-                <a:solidFill>
-                  <a:srgbClr val="660033"/>
-                </a:solidFill>
-                <a:latin typeface="微軟正黑體" pitchFamily="34" charset="-120"/>
-                <a:ea typeface="微軟正黑體" pitchFamily="34" charset="-120"/>
-              </a:rPr>
-              <a:t>袮</a:t>
-            </a:r>
-            <a:endParaRPr lang="en-US" altLang="zh-TW" sz="4800" b="1" dirty="0" smtClean="0">
-              <a:solidFill>
-                <a:srgbClr val="660033"/>
-              </a:solidFill>
-              <a:latin typeface="微軟正黑體" pitchFamily="34" charset="-120"/>
-              <a:ea typeface="微軟正黑體" pitchFamily="34" charset="-120"/>
-            </a:endParaRPr>
-          </a:p>
-          <a:p>
-            <a:pPr algn="ctr">
-              <a:buNone/>
-            </a:pPr>
-            <a:r>
-              <a:rPr lang="zh-TW" altLang="en-US" sz="4800" b="1" dirty="0" smtClean="0">
-                <a:solidFill>
-                  <a:srgbClr val="660033"/>
-                </a:solidFill>
-                <a:latin typeface="微軟正黑體" pitchFamily="34" charset="-120"/>
-                <a:ea typeface="微軟正黑體" pitchFamily="34" charset="-120"/>
-              </a:rPr>
-              <a:t>我</a:t>
-            </a:r>
-            <a:r>
-              <a:rPr lang="zh-TW" altLang="en-US" sz="4800" b="1" dirty="0">
-                <a:solidFill>
-                  <a:srgbClr val="660033"/>
-                </a:solidFill>
-                <a:latin typeface="微軟正黑體" pitchFamily="34" charset="-120"/>
-                <a:ea typeface="微軟正黑體" pitchFamily="34" charset="-120"/>
-              </a:rPr>
-              <a:t>要在列邦中歌</a:t>
-            </a:r>
-            <a:r>
-              <a:rPr lang="zh-TW" altLang="en-US" sz="4800" b="1" dirty="0" smtClean="0">
-                <a:solidFill>
-                  <a:srgbClr val="660033"/>
-                </a:solidFill>
-                <a:latin typeface="微軟正黑體" pitchFamily="34" charset="-120"/>
-                <a:ea typeface="微軟正黑體" pitchFamily="34" charset="-120"/>
-              </a:rPr>
-              <a:t>頌</a:t>
-            </a:r>
-            <a:r>
-              <a:rPr lang="zh-CN" altLang="en-US" sz="4800" b="1" dirty="0">
-                <a:solidFill>
-                  <a:srgbClr val="660033"/>
-                </a:solidFill>
-                <a:latin typeface="微軟正黑體" pitchFamily="34" charset="-120"/>
-                <a:ea typeface="微軟正黑體" pitchFamily="34" charset="-120"/>
-              </a:rPr>
-              <a:t>袮</a:t>
-            </a:r>
-            <a:endParaRPr lang="en-US" altLang="zh-TW" sz="4800" b="1" dirty="0">
-              <a:solidFill>
-                <a:srgbClr val="660033"/>
-              </a:solidFill>
-              <a:latin typeface="微軟正黑體" pitchFamily="34" charset="-120"/>
-              <a:ea typeface="微軟正黑體" pitchFamily="34" charset="-120"/>
-            </a:endParaRPr>
-          </a:p>
-          <a:p>
-            <a:pPr algn="ctr">
-              <a:buNone/>
-            </a:pPr>
-            <a:endParaRPr lang="en-US" altLang="zh-TW" sz="1200" b="1" dirty="0" smtClean="0">
-              <a:solidFill>
-                <a:srgbClr val="660033"/>
-              </a:solidFill>
-              <a:latin typeface="微軟正黑體" pitchFamily="34" charset="-120"/>
-              <a:ea typeface="微軟正黑體" pitchFamily="34" charset="-120"/>
-            </a:endParaRPr>
-          </a:p>
-          <a:p>
-            <a:pPr algn="ctr">
-              <a:buNone/>
-            </a:pPr>
-            <a:r>
-              <a:rPr lang="zh-CN" altLang="en-US" sz="4800" b="1" dirty="0">
-                <a:solidFill>
-                  <a:srgbClr val="660033"/>
-                </a:solidFill>
-                <a:latin typeface="微軟正黑體" pitchFamily="34" charset="-120"/>
-                <a:ea typeface="微軟正黑體" pitchFamily="34" charset="-120"/>
-              </a:rPr>
-              <a:t>袮</a:t>
-            </a:r>
-            <a:r>
-              <a:rPr lang="zh-TW" altLang="en-US" sz="4800" b="1" dirty="0" smtClean="0">
-                <a:solidFill>
-                  <a:srgbClr val="660033"/>
-                </a:solidFill>
-                <a:latin typeface="微軟正黑體" pitchFamily="34" charset="-120"/>
-                <a:ea typeface="微軟正黑體" pitchFamily="34" charset="-120"/>
-              </a:rPr>
-              <a:t>的</a:t>
-            </a:r>
-            <a:r>
-              <a:rPr lang="zh-TW" altLang="en-US" sz="4800" b="1" dirty="0">
-                <a:solidFill>
-                  <a:srgbClr val="660033"/>
-                </a:solidFill>
-                <a:latin typeface="微軟正黑體" pitchFamily="34" charset="-120"/>
-                <a:ea typeface="微軟正黑體" pitchFamily="34" charset="-120"/>
-              </a:rPr>
-              <a:t>慈愛高及諸</a:t>
-            </a:r>
-            <a:r>
-              <a:rPr lang="zh-TW" altLang="en-US" sz="4800" b="1" dirty="0" smtClean="0">
-                <a:solidFill>
-                  <a:srgbClr val="660033"/>
-                </a:solidFill>
-                <a:latin typeface="微軟正黑體" pitchFamily="34" charset="-120"/>
-                <a:ea typeface="微軟正黑體" pitchFamily="34" charset="-120"/>
-              </a:rPr>
-              <a:t>天</a:t>
-            </a:r>
-            <a:endParaRPr lang="en-US" altLang="zh-TW" sz="4800" b="1" dirty="0" smtClean="0">
-              <a:solidFill>
-                <a:srgbClr val="660033"/>
-              </a:solidFill>
-              <a:latin typeface="微軟正黑體" pitchFamily="34" charset="-120"/>
-              <a:ea typeface="微軟正黑體" pitchFamily="34" charset="-120"/>
-            </a:endParaRPr>
-          </a:p>
-          <a:p>
-            <a:pPr algn="ctr">
-              <a:buNone/>
-            </a:pPr>
-            <a:r>
-              <a:rPr lang="zh-CN" altLang="en-US" sz="4800" b="1" dirty="0">
-                <a:solidFill>
-                  <a:srgbClr val="660033"/>
-                </a:solidFill>
-                <a:latin typeface="微軟正黑體" pitchFamily="34" charset="-120"/>
-                <a:ea typeface="微軟正黑體" pitchFamily="34" charset="-120"/>
-              </a:rPr>
-              <a:t>袮</a:t>
-            </a:r>
-            <a:r>
-              <a:rPr lang="zh-TW" altLang="en-US" sz="4800" b="1" dirty="0" smtClean="0">
-                <a:solidFill>
-                  <a:srgbClr val="660033"/>
-                </a:solidFill>
-                <a:latin typeface="微軟正黑體" pitchFamily="34" charset="-120"/>
-                <a:ea typeface="微軟正黑體" pitchFamily="34" charset="-120"/>
-              </a:rPr>
-              <a:t>的</a:t>
-            </a:r>
-            <a:r>
-              <a:rPr lang="zh-TW" altLang="en-US" sz="4800" b="1" dirty="0">
-                <a:solidFill>
-                  <a:srgbClr val="660033"/>
-                </a:solidFill>
-                <a:latin typeface="微軟正黑體" pitchFamily="34" charset="-120"/>
-                <a:ea typeface="微軟正黑體" pitchFamily="34" charset="-120"/>
-              </a:rPr>
-              <a:t>誠實上達穹</a:t>
-            </a:r>
-            <a:r>
-              <a:rPr lang="zh-TW" altLang="en-US" sz="4800" b="1" dirty="0" smtClean="0">
-                <a:solidFill>
-                  <a:srgbClr val="660033"/>
-                </a:solidFill>
-                <a:latin typeface="微軟正黑體" pitchFamily="34" charset="-120"/>
-                <a:ea typeface="微軟正黑體" pitchFamily="34" charset="-120"/>
-              </a:rPr>
-              <a:t>蒼</a:t>
-            </a:r>
-            <a:endParaRPr lang="en-US" altLang="zh-TW" sz="4800" b="1" dirty="0" smtClean="0">
-              <a:solidFill>
-                <a:srgbClr val="660033"/>
-              </a:solidFill>
-              <a:latin typeface="微軟正黑體" pitchFamily="34" charset="-120"/>
-              <a:ea typeface="微軟正黑體" pitchFamily="34" charset="-120"/>
-            </a:endParaRPr>
-          </a:p>
-          <a:p>
-            <a:pPr algn="ctr">
-              <a:buNone/>
-            </a:pPr>
-            <a:r>
-              <a:rPr lang="en-US" altLang="zh-TW" b="1" dirty="0" smtClean="0">
-                <a:solidFill>
-                  <a:srgbClr val="660033"/>
-                </a:solidFill>
-                <a:latin typeface="微軟正黑體" pitchFamily="34" charset="-120"/>
-                <a:ea typeface="微軟正黑體" pitchFamily="34" charset="-120"/>
-              </a:rPr>
-              <a:t>(x2)</a:t>
-            </a:r>
-            <a:endParaRPr lang="en-US" altLang="zh-TW" sz="4000" b="1" dirty="0">
-              <a:solidFill>
-                <a:srgbClr val="660033"/>
-              </a:solidFill>
-              <a:latin typeface="微軟正黑體" pitchFamily="34" charset="-120"/>
-              <a:ea typeface="微軟正黑體" pitchFamily="34" charset="-120"/>
-            </a:endParaRPr>
-          </a:p>
-        </p:txBody>
-      </p:sp>
     </p:spTree>
+    <p:extLst>
+      <p:ext uri="{BB962C8B-B14F-4D97-AF65-F5344CB8AC3E}">
+        <p14:creationId xmlns:p14="http://schemas.microsoft.com/office/powerpoint/2010/main" val="446206035"/>
+      </p:ext>
+    </p:extLst>
   </p:cSld>
   <p:clrMapOvr>
     <a:masterClrMapping/>
@@ -3419,47 +3193,50 @@
       </p:grpSpPr>
       <p:sp>
         <p:nvSpPr>
-          <p:cNvPr id="4" name="Title 3"/>
-          <p:cNvSpPr>
-            <a:spLocks noGrp="1"/>
-          </p:cNvSpPr>
-          <p:nvPr>
-            <p:ph type="title"/>
+          <p:cNvPr id="5" name="內容版面配置區 4"/>
+          <p:cNvSpPr>
+            <a:spLocks noGrp="1"/>
+          </p:cNvSpPr>
+          <p:nvPr>
+            <p:ph idx="1"/>
           </p:nvPr>
         </p:nvSpPr>
         <p:spPr>
           <a:xfrm>
-            <a:off x="457200" y="0"/>
-            <a:ext cx="8229600" cy="857250"/>
+            <a:off x="0" y="1563639"/>
+            <a:ext cx="9144000" cy="1803647"/>
           </a:xfrm>
         </p:spPr>
         <p:txBody>
-          <a:bodyPr>
+          <a:bodyPr anchor="ctr">
             <a:normAutofit/>
           </a:bodyPr>
           <a:lstStyle/>
           <a:p>
-            <a:r>
-              <a:rPr lang="zh-CN" altLang="en-US" sz="4000" b="1" dirty="0">
+            <a:pPr algn="ctr">
+              <a:buNone/>
+            </a:pPr>
+            <a:r>
+              <a:rPr lang="zh-TW" altLang="en-US" sz="4800" b="1" dirty="0">
                 <a:solidFill>
                   <a:srgbClr val="660033"/>
                 </a:solidFill>
                 <a:latin typeface="微軟正黑體" pitchFamily="34" charset="-120"/>
                 <a:ea typeface="微軟正黑體" pitchFamily="34" charset="-120"/>
               </a:rPr>
-              <a:t>願袮崇</a:t>
-            </a:r>
-            <a:r>
-              <a:rPr lang="zh-CN" altLang="en-US" sz="4000" b="1" dirty="0" smtClean="0">
+              <a:t>我要在萬民中稱謝</a:t>
+            </a:r>
+            <a:r>
+              <a:rPr lang="zh-CN" altLang="en-US" sz="4800" b="1" dirty="0">
                 <a:solidFill>
                   <a:srgbClr val="660033"/>
                 </a:solidFill>
                 <a:latin typeface="微軟正黑體" pitchFamily="34" charset="-120"/>
                 <a:ea typeface="微軟正黑體" pitchFamily="34" charset="-120"/>
               </a:rPr>
-              <a:t>高</a:t>
-            </a:r>
-            <a:endParaRPr lang="en-US" sz="4000" b="1" dirty="0">
+              <a:t>袮</a:t>
+            </a:r>
+            <a:endParaRPr lang="en-US" altLang="zh-TW" sz="4800" b="1" dirty="0">
               <a:solidFill>
                 <a:srgbClr val="660033"/>
               </a:solidFill>
@@ -3467,44 +3244,31 @@
               <a:ea typeface="微軟正黑體" pitchFamily="34" charset="-120"/>
             </a:endParaRPr>
           </a:p>
-        </p:txBody>
-      </p:sp>
-      <p:sp>
-        <p:nvSpPr>
-          <p:cNvPr id="5" name="Content Placeholder 4"/>
-          <p:cNvSpPr>
-            <a:spLocks noGrp="1"/>
-          </p:cNvSpPr>
-          <p:nvPr>
-            <p:ph idx="1"/>
-          </p:nvPr>
-        </p:nvSpPr>
-        <p:spPr>
-          <a:xfrm>
-            <a:off x="457200" y="1047750"/>
-            <a:ext cx="8229600" cy="3771900"/>
-          </a:xfrm>
-        </p:spPr>
-        <p:txBody>
-          <a:bodyPr>
-            <a:noAutofit/>
-          </a:bodyPr>
-          <a:lstStyle/>
           <a:p>
             <a:pPr algn="ctr">
               <a:buNone/>
             </a:pPr>
             <a:r>
-              <a:rPr lang="zh-TW" altLang="en-US" sz="4800" b="1" dirty="0" smtClean="0">
+              <a:rPr lang="zh-TW" altLang="en-US" sz="4800" b="1" dirty="0">
                 <a:solidFill>
                   <a:srgbClr val="660033"/>
                 </a:solidFill>
                 <a:latin typeface="微軟正黑體" pitchFamily="34" charset="-120"/>
                 <a:ea typeface="微軟正黑體" pitchFamily="34" charset="-120"/>
               </a:rPr>
-              <a:t>哈利路亞  哈利路亞</a:t>
-            </a:r>
-            <a:endParaRPr lang="en-US" altLang="zh-TW" sz="4800" b="1" dirty="0" smtClean="0">
+              <a:t>我要在列邦中歌頌</a:t>
+            </a:r>
+            <a:r>
+              <a:rPr lang="zh-CN" altLang="en-US" sz="4800" b="1" dirty="0">
+                <a:solidFill>
+                  <a:srgbClr val="660033"/>
+                </a:solidFill>
+                <a:latin typeface="微軟正黑體" pitchFamily="34" charset="-120"/>
+                <a:ea typeface="微軟正黑體" pitchFamily="34" charset="-120"/>
+              </a:rPr>
+              <a:t>袮</a:t>
+            </a:r>
+            <a:endParaRPr lang="en-US" altLang="zh-TW" sz="4800" b="1" dirty="0">
               <a:solidFill>
                 <a:srgbClr val="660033"/>
               </a:solidFill>
@@ -3512,6 +3276,121 @@
               <a:ea typeface="微軟正黑體" pitchFamily="34" charset="-120"/>
             </a:endParaRPr>
           </a:p>
+        </p:txBody>
+      </p:sp>
+      <p:sp>
+        <p:nvSpPr>
+          <p:cNvPr id="3" name="TextBox 2"/>
+          <p:cNvSpPr txBox="1"/>
+          <p:nvPr/>
+        </p:nvSpPr>
+        <p:spPr>
+          <a:xfrm>
+            <a:off x="0" y="3867895"/>
+            <a:ext cx="9144000" cy="584775"/>
+          </a:xfrm>
+          <a:prstGeom prst="rect">
+            <a:avLst/>
+          </a:prstGeom>
+          <a:noFill/>
+        </p:spPr>
+        <p:txBody>
+          <a:bodyPr wrap="square" rtlCol="0">
+            <a:spAutoFit/>
+          </a:bodyPr>
+          <a:lstStyle/>
+          <a:p>
+            <a:pPr algn="ctr"/>
+            <a:r>
+              <a:rPr lang="en-US" sz="3200" b="1" dirty="0">
+                <a:solidFill>
+                  <a:srgbClr val="660033"/>
+                </a:solidFill>
+                <a:latin typeface="Microsoft JhengHei" panose="020B0604030504040204" pitchFamily="34" charset="-120"/>
+                <a:ea typeface="Microsoft JhengHei" panose="020B0604030504040204" pitchFamily="34" charset="-120"/>
+              </a:rPr>
+              <a:t>( </a:t>
+            </a:r>
+            <a:r>
+              <a:rPr lang="zh-CN" altLang="en-US" sz="3200" b="1" dirty="0">
+                <a:solidFill>
+                  <a:srgbClr val="660033"/>
+                </a:solidFill>
+                <a:latin typeface="Microsoft JhengHei" panose="020B0604030504040204" pitchFamily="34" charset="-120"/>
+                <a:ea typeface="Microsoft JhengHei" panose="020B0604030504040204" pitchFamily="34" charset="-120"/>
+              </a:rPr>
+              <a:t>正</a:t>
+            </a:r>
+            <a:r>
+              <a:rPr lang="en-US" sz="3200" b="1" dirty="0">
+                <a:solidFill>
+                  <a:srgbClr val="660033"/>
+                </a:solidFill>
+                <a:latin typeface="Microsoft JhengHei" panose="020B0604030504040204" pitchFamily="34" charset="-120"/>
+                <a:ea typeface="Microsoft JhengHei" panose="020B0604030504040204" pitchFamily="34" charset="-120"/>
+              </a:rPr>
+              <a:t> )</a:t>
+            </a:r>
+            <a:endParaRPr lang="vi-VN" sz="3200" b="1" dirty="0">
+              <a:solidFill>
+                <a:srgbClr val="660033"/>
+              </a:solidFill>
+              <a:ea typeface="Microsoft JhengHei" panose="020B0604030504040204" pitchFamily="34" charset="-120"/>
+            </a:endParaRPr>
+          </a:p>
+        </p:txBody>
+      </p:sp>
+    </p:spTree>
+    <p:extLst>
+      <p:ext uri="{BB962C8B-B14F-4D97-AF65-F5344CB8AC3E}">
+        <p14:creationId xmlns:p14="http://schemas.microsoft.com/office/powerpoint/2010/main" val="767984453"/>
+      </p:ext>
+    </p:extLst>
+  </p:cSld>
+  <p:clrMapOvr>
+    <a:masterClrMapping/>
+  </p:clrMapOvr>
+</p:sld>
+</file>
+
+<file path=ppt/slides/slide3.xml><?xml version="1.0" encoding="utf-8"?>
+<p:sld xmlns:a="http://schemas.openxmlformats.org/drawingml/2006/main" xmlns:r="http://schemas.openxmlformats.org/officeDocument/2006/relationships" xmlns:p="http://schemas.openxmlformats.org/presentationml/2006/main">
+  <p:cSld>
+    <p:spTree>
+      <p:nvGrpSpPr>
+        <p:cNvPr id="1" name=""/>
+        <p:cNvGrpSpPr/>
+        <p:nvPr/>
+      </p:nvGrpSpPr>
+      <p:grpSpPr>
+        <a:xfrm>
+          <a:off x="0" y="0"/>
+          <a:ext cx="0" cy="0"/>
+          <a:chOff x="0" y="0"/>
+          <a:chExt cx="0" cy="0"/>
+        </a:xfrm>
+      </p:grpSpPr>
+      <p:sp>
+        <p:nvSpPr>
+          <p:cNvPr id="5" name="內容版面配置區 4"/>
+          <p:cNvSpPr>
+            <a:spLocks noGrp="1"/>
+          </p:cNvSpPr>
+          <p:nvPr>
+            <p:ph idx="1"/>
+          </p:nvPr>
+        </p:nvSpPr>
+        <p:spPr>
+          <a:xfrm>
+            <a:off x="0" y="1563639"/>
+            <a:ext cx="9144000" cy="1803647"/>
+          </a:xfrm>
+        </p:spPr>
+        <p:txBody>
+          <a:bodyPr anchor="ctr">
+            <a:normAutofit/>
+          </a:bodyPr>
+          <a:lstStyle/>
           <a:p>
             <a:pPr algn="ctr">
               <a:buNone/>
@@ -3527,26 +3406,16 @@
               <a:t>袮</a:t>
             </a:r>
             <a:r>
-              <a:rPr lang="zh-TW" altLang="en-US" sz="4800" b="1" dirty="0" smtClean="0">
+              <a:rPr lang="zh-TW" altLang="en-US" sz="4800" b="1" dirty="0">
                 <a:solidFill>
                   <a:srgbClr val="660033"/>
                 </a:solidFill>
                 <a:latin typeface="微軟正黑體" pitchFamily="34" charset="-120"/>
                 <a:ea typeface="微軟正黑體" pitchFamily="34" charset="-120"/>
               </a:rPr>
-              <a:t>的</a:t>
-            </a:r>
-            <a:r>
-              <a:rPr lang="zh-TW" altLang="en-US" sz="4800" b="1" dirty="0" smtClean="0">
-                <a:solidFill>
-                  <a:srgbClr val="660033"/>
-                </a:solidFill>
-                <a:latin typeface="微軟正黑體" pitchFamily="34" charset="-120"/>
-                <a:ea typeface="微軟正黑體" pitchFamily="34" charset="-120"/>
-              </a:rPr>
-              <a:t>慈愛高及諸天</a:t>
-            </a:r>
-            <a:endParaRPr lang="en-US" altLang="zh-TW" sz="4800" b="1" dirty="0" smtClean="0">
+              <a:t>的慈愛高及諸天</a:t>
+            </a:r>
+            <a:endParaRPr lang="en-US" altLang="zh-TW" sz="4800" b="1" dirty="0">
               <a:solidFill>
                 <a:srgbClr val="660033"/>
               </a:solidFill>
@@ -3559,16 +3428,26 @@
               <a:buNone/>
             </a:pPr>
             <a:r>
-              <a:rPr lang="zh-TW" altLang="en-US" sz="4800" b="1" dirty="0" smtClean="0">
+              <a:rPr lang="zh-CN" altLang="en-US" sz="4800" b="1" dirty="0">
                 <a:solidFill>
                   <a:srgbClr val="660033"/>
                 </a:solidFill>
                 <a:latin typeface="微軟正黑體" pitchFamily="34" charset="-120"/>
                 <a:ea typeface="微軟正黑體" pitchFamily="34" charset="-120"/>
               </a:rPr>
-              <a:t>哈利路亞  哈利路亞</a:t>
-            </a:r>
-            <a:endParaRPr lang="en-US" altLang="zh-TW" sz="4800" b="1" dirty="0" smtClean="0">
+              <a:t>袮</a:t>
+            </a:r>
+            <a:r>
+              <a:rPr lang="zh-TW" altLang="en-US" sz="4800" b="1" dirty="0">
+                <a:solidFill>
+                  <a:srgbClr val="660033"/>
+                </a:solidFill>
+                <a:latin typeface="微軟正黑體" pitchFamily="34" charset="-120"/>
+                <a:ea typeface="微軟正黑體" pitchFamily="34" charset="-120"/>
+              </a:rPr>
+              <a:t>的誠實上達穹蒼</a:t>
+            </a:r>
+            <a:endParaRPr lang="en-US" altLang="zh-TW" sz="4800" b="1" dirty="0">
               <a:solidFill>
                 <a:srgbClr val="660033"/>
               </a:solidFill>
@@ -3576,6 +3455,143 @@
               <a:ea typeface="微軟正黑體" pitchFamily="34" charset="-120"/>
             </a:endParaRPr>
           </a:p>
+        </p:txBody>
+      </p:sp>
+      <p:sp>
+        <p:nvSpPr>
+          <p:cNvPr id="3" name="TextBox 2"/>
+          <p:cNvSpPr txBox="1"/>
+          <p:nvPr/>
+        </p:nvSpPr>
+        <p:spPr>
+          <a:xfrm>
+            <a:off x="0" y="3867895"/>
+            <a:ext cx="9144000" cy="584775"/>
+          </a:xfrm>
+          <a:prstGeom prst="rect">
+            <a:avLst/>
+          </a:prstGeom>
+          <a:noFill/>
+        </p:spPr>
+        <p:txBody>
+          <a:bodyPr wrap="square" rtlCol="0">
+            <a:spAutoFit/>
+          </a:bodyPr>
+          <a:lstStyle/>
+          <a:p>
+            <a:pPr algn="ctr"/>
+            <a:r>
+              <a:rPr lang="en-US" sz="3200" b="1" dirty="0">
+                <a:solidFill>
+                  <a:srgbClr val="660033"/>
+                </a:solidFill>
+                <a:latin typeface="Microsoft JhengHei" panose="020B0604030504040204" pitchFamily="34" charset="-120"/>
+                <a:ea typeface="Microsoft JhengHei" panose="020B0604030504040204" pitchFamily="34" charset="-120"/>
+              </a:rPr>
+              <a:t>( </a:t>
+            </a:r>
+            <a:r>
+              <a:rPr lang="zh-CN" altLang="en-US" sz="3200" b="1" dirty="0">
+                <a:solidFill>
+                  <a:srgbClr val="660033"/>
+                </a:solidFill>
+                <a:latin typeface="Microsoft JhengHei" panose="020B0604030504040204" pitchFamily="34" charset="-120"/>
+                <a:ea typeface="Microsoft JhengHei" panose="020B0604030504040204" pitchFamily="34" charset="-120"/>
+              </a:rPr>
+              <a:t>正</a:t>
+            </a:r>
+            <a:r>
+              <a:rPr lang="en-US" sz="3200" b="1" dirty="0">
+                <a:solidFill>
+                  <a:srgbClr val="660033"/>
+                </a:solidFill>
+                <a:latin typeface="Microsoft JhengHei" panose="020B0604030504040204" pitchFamily="34" charset="-120"/>
+                <a:ea typeface="Microsoft JhengHei" panose="020B0604030504040204" pitchFamily="34" charset="-120"/>
+              </a:rPr>
+              <a:t> )( x2 )</a:t>
+            </a:r>
+            <a:endParaRPr lang="vi-VN" sz="3200" b="1" dirty="0">
+              <a:solidFill>
+                <a:srgbClr val="660033"/>
+              </a:solidFill>
+              <a:ea typeface="Microsoft JhengHei" panose="020B0604030504040204" pitchFamily="34" charset="-120"/>
+            </a:endParaRPr>
+          </a:p>
+        </p:txBody>
+      </p:sp>
+    </p:spTree>
+    <p:extLst>
+      <p:ext uri="{BB962C8B-B14F-4D97-AF65-F5344CB8AC3E}">
+        <p14:creationId xmlns:p14="http://schemas.microsoft.com/office/powerpoint/2010/main" val="3732303583"/>
+      </p:ext>
+    </p:extLst>
+  </p:cSld>
+  <p:clrMapOvr>
+    <a:masterClrMapping/>
+  </p:clrMapOvr>
+</p:sld>
+</file>
+
+<file path=ppt/slides/slide4.xml><?xml version="1.0" encoding="utf-8"?>
+<p:sld xmlns:a="http://schemas.openxmlformats.org/drawingml/2006/main" xmlns:r="http://schemas.openxmlformats.org/officeDocument/2006/relationships" xmlns:p="http://schemas.openxmlformats.org/presentationml/2006/main">
+  <p:cSld>
+    <p:spTree>
+      <p:nvGrpSpPr>
+        <p:cNvPr id="1" name=""/>
+        <p:cNvGrpSpPr/>
+        <p:nvPr/>
+      </p:nvGrpSpPr>
+      <p:grpSpPr>
+        <a:xfrm>
+          <a:off x="0" y="0"/>
+          <a:ext cx="0" cy="0"/>
+          <a:chOff x="0" y="0"/>
+          <a:chExt cx="0" cy="0"/>
+        </a:xfrm>
+      </p:grpSpPr>
+      <p:sp>
+        <p:nvSpPr>
+          <p:cNvPr id="5" name="內容版面配置區 4"/>
+          <p:cNvSpPr>
+            <a:spLocks noGrp="1"/>
+          </p:cNvSpPr>
+          <p:nvPr>
+            <p:ph idx="1"/>
+          </p:nvPr>
+        </p:nvSpPr>
+        <p:spPr>
+          <a:xfrm>
+            <a:off x="0" y="1563639"/>
+            <a:ext cx="9144000" cy="1803647"/>
+          </a:xfrm>
+        </p:spPr>
+        <p:txBody>
+          <a:bodyPr anchor="ctr">
+            <a:normAutofit/>
+          </a:bodyPr>
+          <a:lstStyle/>
+          <a:p>
+            <a:pPr algn="ctr">
+              <a:buNone/>
+            </a:pPr>
+            <a:r>
+              <a:rPr lang="zh-TW" altLang="en-US" sz="4800" b="1" dirty="0">
+                <a:solidFill>
+                  <a:srgbClr val="660033"/>
+                </a:solidFill>
+                <a:latin typeface="微軟正黑體" pitchFamily="34" charset="-120"/>
+                <a:ea typeface="微軟正黑體" pitchFamily="34" charset="-120"/>
+              </a:rPr>
+              <a:t>哈利路亞  哈利路亞</a:t>
+            </a:r>
+            <a:endParaRPr lang="en-US" altLang="zh-TW" sz="4800" b="1" dirty="0">
+              <a:solidFill>
+                <a:srgbClr val="660033"/>
+              </a:solidFill>
+              <a:latin typeface="微軟正黑體" pitchFamily="34" charset="-120"/>
+              <a:ea typeface="微軟正黑體" pitchFamily="34" charset="-120"/>
+            </a:endParaRPr>
+          </a:p>
           <a:p>
             <a:pPr algn="ctr">
               <a:buNone/>
@@ -3591,24 +3607,183 @@
               <a:t>袮</a:t>
             </a:r>
             <a:r>
-              <a:rPr lang="zh-TW" altLang="en-US" sz="4800" b="1" smtClean="0">
+              <a:rPr lang="zh-TW" altLang="en-US" sz="4800" b="1" dirty="0">
                 <a:solidFill>
                   <a:srgbClr val="660033"/>
                 </a:solidFill>
                 <a:latin typeface="微軟正黑體" pitchFamily="34" charset="-120"/>
                 <a:ea typeface="微軟正黑體" pitchFamily="34" charset="-120"/>
               </a:rPr>
-              <a:t>的</a:t>
-            </a:r>
-            <a:r>
-              <a:rPr lang="zh-TW" altLang="en-US" sz="4800" b="1" dirty="0" smtClean="0">
+              <a:t>的慈愛高及諸天</a:t>
+            </a:r>
+            <a:endParaRPr lang="en-US" altLang="zh-TW" sz="4800" b="1" dirty="0">
+              <a:solidFill>
+                <a:srgbClr val="660033"/>
+              </a:solidFill>
+              <a:latin typeface="微軟正黑體" pitchFamily="34" charset="-120"/>
+              <a:ea typeface="微軟正黑體" pitchFamily="34" charset="-120"/>
+            </a:endParaRPr>
+          </a:p>
+        </p:txBody>
+      </p:sp>
+      <p:sp>
+        <p:nvSpPr>
+          <p:cNvPr id="3" name="TextBox 2"/>
+          <p:cNvSpPr txBox="1"/>
+          <p:nvPr/>
+        </p:nvSpPr>
+        <p:spPr>
+          <a:xfrm>
+            <a:off x="0" y="3867895"/>
+            <a:ext cx="9144000" cy="584775"/>
+          </a:xfrm>
+          <a:prstGeom prst="rect">
+            <a:avLst/>
+          </a:prstGeom>
+          <a:noFill/>
+        </p:spPr>
+        <p:txBody>
+          <a:bodyPr wrap="square" rtlCol="0">
+            <a:spAutoFit/>
+          </a:bodyPr>
+          <a:lstStyle/>
+          <a:p>
+            <a:pPr algn="ctr"/>
+            <a:r>
+              <a:rPr lang="en-US" sz="3200" b="1" dirty="0">
+                <a:solidFill>
+                  <a:srgbClr val="660033"/>
+                </a:solidFill>
+                <a:latin typeface="Microsoft JhengHei" panose="020B0604030504040204" pitchFamily="34" charset="-120"/>
+                <a:ea typeface="Microsoft JhengHei" panose="020B0604030504040204" pitchFamily="34" charset="-120"/>
+              </a:rPr>
+              <a:t>( </a:t>
+            </a:r>
+            <a:r>
+              <a:rPr lang="zh-CN" altLang="en-US" sz="3200" b="1" dirty="0">
+                <a:solidFill>
+                  <a:srgbClr val="660033"/>
+                </a:solidFill>
+                <a:latin typeface="Microsoft JhengHei" panose="020B0604030504040204" pitchFamily="34" charset="-120"/>
+                <a:ea typeface="Microsoft JhengHei" panose="020B0604030504040204" pitchFamily="34" charset="-120"/>
+              </a:rPr>
+              <a:t>副</a:t>
+            </a:r>
+            <a:r>
+              <a:rPr lang="en-US" sz="3200" b="1" dirty="0">
+                <a:solidFill>
+                  <a:srgbClr val="660033"/>
+                </a:solidFill>
+                <a:latin typeface="Microsoft JhengHei" panose="020B0604030504040204" pitchFamily="34" charset="-120"/>
+                <a:ea typeface="Microsoft JhengHei" panose="020B0604030504040204" pitchFamily="34" charset="-120"/>
+              </a:rPr>
+              <a:t> )</a:t>
+            </a:r>
+            <a:endParaRPr lang="vi-VN" sz="3200" b="1" dirty="0">
+              <a:solidFill>
+                <a:srgbClr val="660033"/>
+              </a:solidFill>
+              <a:ea typeface="Microsoft JhengHei" panose="020B0604030504040204" pitchFamily="34" charset="-120"/>
+            </a:endParaRPr>
+          </a:p>
+        </p:txBody>
+      </p:sp>
+    </p:spTree>
+    <p:extLst>
+      <p:ext uri="{BB962C8B-B14F-4D97-AF65-F5344CB8AC3E}">
+        <p14:creationId xmlns:p14="http://schemas.microsoft.com/office/powerpoint/2010/main" val="301674097"/>
+      </p:ext>
+    </p:extLst>
+  </p:cSld>
+  <p:clrMapOvr>
+    <a:masterClrMapping/>
+  </p:clrMapOvr>
+</p:sld>
+</file>
+
+<file path=ppt/slides/slide5.xml><?xml version="1.0" encoding="utf-8"?>
+<p:sld xmlns:a="http://schemas.openxmlformats.org/drawingml/2006/main" xmlns:r="http://schemas.openxmlformats.org/officeDocument/2006/relationships" xmlns:p="http://schemas.openxmlformats.org/presentationml/2006/main">
+  <p:cSld>
+    <p:spTree>
+      <p:nvGrpSpPr>
+        <p:cNvPr id="1" name=""/>
+        <p:cNvGrpSpPr/>
+        <p:nvPr/>
+      </p:nvGrpSpPr>
+      <p:grpSpPr>
+        <a:xfrm>
+          <a:off x="0" y="0"/>
+          <a:ext cx="0" cy="0"/>
+          <a:chOff x="0" y="0"/>
+          <a:chExt cx="0" cy="0"/>
+        </a:xfrm>
+      </p:grpSpPr>
+      <p:sp>
+        <p:nvSpPr>
+          <p:cNvPr id="5" name="內容版面配置區 4"/>
+          <p:cNvSpPr>
+            <a:spLocks noGrp="1"/>
+          </p:cNvSpPr>
+          <p:nvPr>
+            <p:ph idx="1"/>
+          </p:nvPr>
+        </p:nvSpPr>
+        <p:spPr>
+          <a:xfrm>
+            <a:off x="0" y="1563639"/>
+            <a:ext cx="9144000" cy="1803647"/>
+          </a:xfrm>
+        </p:spPr>
+        <p:txBody>
+          <a:bodyPr anchor="ctr">
+            <a:normAutofit/>
+          </a:bodyPr>
+          <a:lstStyle/>
+          <a:p>
+            <a:pPr algn="ctr">
+              <a:buNone/>
+            </a:pPr>
+            <a:r>
+              <a:rPr lang="zh-TW" altLang="en-US" sz="4800" b="1" dirty="0">
                 <a:solidFill>
                   <a:srgbClr val="660033"/>
                 </a:solidFill>
                 <a:latin typeface="微軟正黑體" pitchFamily="34" charset="-120"/>
                 <a:ea typeface="微軟正黑體" pitchFamily="34" charset="-120"/>
               </a:rPr>
-              <a:t>誠實上達到穹蒼</a:t>
+              <a:t>哈利路亞  哈利路亞</a:t>
+            </a:r>
+            <a:endParaRPr lang="en-US" altLang="zh-TW" sz="4800" b="1" dirty="0">
+              <a:solidFill>
+                <a:srgbClr val="660033"/>
+              </a:solidFill>
+              <a:latin typeface="微軟正黑體" pitchFamily="34" charset="-120"/>
+              <a:ea typeface="微軟正黑體" pitchFamily="34" charset="-120"/>
+            </a:endParaRPr>
+          </a:p>
+          <a:p>
+            <a:pPr algn="ctr">
+              <a:buNone/>
+            </a:pPr>
+            <a:r>
+              <a:rPr lang="zh-CN" altLang="en-US" sz="4800" b="1" dirty="0">
+                <a:solidFill>
+                  <a:srgbClr val="660033"/>
+                </a:solidFill>
+                <a:latin typeface="微軟正黑體" pitchFamily="34" charset="-120"/>
+                <a:ea typeface="微軟正黑體" pitchFamily="34" charset="-120"/>
+              </a:rPr>
+              <a:t>袮</a:t>
+            </a:r>
+            <a:r>
+              <a:rPr lang="zh-TW" altLang="en-US" sz="4800" b="1" dirty="0">
+                <a:solidFill>
+                  <a:srgbClr val="660033"/>
+                </a:solidFill>
+                <a:latin typeface="微軟正黑體" pitchFamily="34" charset="-120"/>
+                <a:ea typeface="微軟正黑體" pitchFamily="34" charset="-120"/>
+              </a:rPr>
+              <a:t>的誠實上達到穹蒼</a:t>
             </a:r>
             <a:endParaRPr lang="en-US" sz="4800" b="1" dirty="0">
               <a:solidFill>
@@ -3620,7 +3795,74 @@
           </a:p>
         </p:txBody>
       </p:sp>
+      <p:sp>
+        <p:nvSpPr>
+          <p:cNvPr id="3" name="TextBox 2"/>
+          <p:cNvSpPr txBox="1"/>
+          <p:nvPr/>
+        </p:nvSpPr>
+        <p:spPr>
+          <a:xfrm>
+            <a:off x="0" y="3867895"/>
+            <a:ext cx="9144000" cy="584775"/>
+          </a:xfrm>
+          <a:prstGeom prst="rect">
+            <a:avLst/>
+          </a:prstGeom>
+          <a:noFill/>
+        </p:spPr>
+        <p:txBody>
+          <a:bodyPr wrap="square" rtlCol="0">
+            <a:spAutoFit/>
+          </a:bodyPr>
+          <a:lstStyle/>
+          <a:p>
+            <a:pPr algn="ctr"/>
+            <a:r>
+              <a:rPr lang="en-US" sz="3200" b="1" dirty="0">
+                <a:solidFill>
+                  <a:srgbClr val="660033"/>
+                </a:solidFill>
+                <a:latin typeface="Microsoft JhengHei" panose="020B0604030504040204" pitchFamily="34" charset="-120"/>
+                <a:ea typeface="Microsoft JhengHei" panose="020B0604030504040204" pitchFamily="34" charset="-120"/>
+              </a:rPr>
+              <a:t>( </a:t>
+            </a:r>
+            <a:r>
+              <a:rPr lang="zh-CN" altLang="en-US" sz="3200" b="1" dirty="0">
+                <a:solidFill>
+                  <a:srgbClr val="660033"/>
+                </a:solidFill>
+                <a:latin typeface="Microsoft JhengHei" panose="020B0604030504040204" pitchFamily="34" charset="-120"/>
+                <a:ea typeface="Microsoft JhengHei" panose="020B0604030504040204" pitchFamily="34" charset="-120"/>
+              </a:rPr>
+              <a:t>副</a:t>
+            </a:r>
+            <a:r>
+              <a:rPr lang="en-US" sz="3200" b="1" dirty="0">
+                <a:solidFill>
+                  <a:srgbClr val="660033"/>
+                </a:solidFill>
+                <a:latin typeface="Microsoft JhengHei" panose="020B0604030504040204" pitchFamily="34" charset="-120"/>
+                <a:ea typeface="Microsoft JhengHei" panose="020B0604030504040204" pitchFamily="34" charset="-120"/>
+              </a:rPr>
+              <a:t> )</a:t>
+            </a:r>
+            <a:endParaRPr lang="vi-VN" sz="3200" b="1" dirty="0">
+              <a:solidFill>
+                <a:srgbClr val="660033"/>
+              </a:solidFill>
+              <a:ea typeface="Microsoft JhengHei" panose="020B0604030504040204" pitchFamily="34" charset="-120"/>
+            </a:endParaRPr>
+          </a:p>
+        </p:txBody>
+      </p:sp>
     </p:spTree>
+    <p:extLst>
+      <p:ext uri="{BB962C8B-B14F-4D97-AF65-F5344CB8AC3E}">
+        <p14:creationId xmlns:p14="http://schemas.microsoft.com/office/powerpoint/2010/main" val="924701596"/>
+      </p:ext>
+    </p:extLst>
   </p:cSld>
   <p:clrMapOvr>
     <a:masterClrMapping/>

--- a/願你崇高.pptx
+++ b/願你崇高.pptx
@@ -309,7 +309,7 @@
             <a:fld id="{3D5D771C-AFFE-47B3-886F-49CD4EBE8B05}" type="datetimeFigureOut">
               <a:rPr lang="en-US" smtClean="0"/>
               <a:pPr/>
-              <a:t>7/7/2022</a:t>
+              <a:t>6/10/2023</a:t>
             </a:fld>
             <a:endParaRPr lang="en-US"/>
           </a:p>
@@ -476,7 +476,7 @@
             <a:fld id="{3D5D771C-AFFE-47B3-886F-49CD4EBE8B05}" type="datetimeFigureOut">
               <a:rPr lang="en-US" smtClean="0"/>
               <a:pPr/>
-              <a:t>7/7/2022</a:t>
+              <a:t>6/10/2023</a:t>
             </a:fld>
             <a:endParaRPr lang="en-US"/>
           </a:p>
@@ -653,7 +653,7 @@
             <a:fld id="{3D5D771C-AFFE-47B3-886F-49CD4EBE8B05}" type="datetimeFigureOut">
               <a:rPr lang="en-US" smtClean="0"/>
               <a:pPr/>
-              <a:t>7/7/2022</a:t>
+              <a:t>6/10/2023</a:t>
             </a:fld>
             <a:endParaRPr lang="en-US"/>
           </a:p>
@@ -820,7 +820,7 @@
             <a:fld id="{3D5D771C-AFFE-47B3-886F-49CD4EBE8B05}" type="datetimeFigureOut">
               <a:rPr lang="en-US" smtClean="0"/>
               <a:pPr/>
-              <a:t>7/7/2022</a:t>
+              <a:t>6/10/2023</a:t>
             </a:fld>
             <a:endParaRPr lang="en-US"/>
           </a:p>
@@ -1063,7 +1063,7 @@
             <a:fld id="{3D5D771C-AFFE-47B3-886F-49CD4EBE8B05}" type="datetimeFigureOut">
               <a:rPr lang="en-US" smtClean="0"/>
               <a:pPr/>
-              <a:t>7/7/2022</a:t>
+              <a:t>6/10/2023</a:t>
             </a:fld>
             <a:endParaRPr lang="en-US"/>
           </a:p>
@@ -1348,7 +1348,7 @@
             <a:fld id="{3D5D771C-AFFE-47B3-886F-49CD4EBE8B05}" type="datetimeFigureOut">
               <a:rPr lang="en-US" smtClean="0"/>
               <a:pPr/>
-              <a:t>7/7/2022</a:t>
+              <a:t>6/10/2023</a:t>
             </a:fld>
             <a:endParaRPr lang="en-US"/>
           </a:p>
@@ -1767,7 +1767,7 @@
             <a:fld id="{3D5D771C-AFFE-47B3-886F-49CD4EBE8B05}" type="datetimeFigureOut">
               <a:rPr lang="en-US" smtClean="0"/>
               <a:pPr/>
-              <a:t>7/7/2022</a:t>
+              <a:t>6/10/2023</a:t>
             </a:fld>
             <a:endParaRPr lang="en-US"/>
           </a:p>
@@ -1882,7 +1882,7 @@
             <a:fld id="{3D5D771C-AFFE-47B3-886F-49CD4EBE8B05}" type="datetimeFigureOut">
               <a:rPr lang="en-US" smtClean="0"/>
               <a:pPr/>
-              <a:t>7/7/2022</a:t>
+              <a:t>6/10/2023</a:t>
             </a:fld>
             <a:endParaRPr lang="en-US"/>
           </a:p>
@@ -1974,7 +1974,7 @@
             <a:fld id="{3D5D771C-AFFE-47B3-886F-49CD4EBE8B05}" type="datetimeFigureOut">
               <a:rPr lang="en-US" smtClean="0"/>
               <a:pPr/>
-              <a:t>7/7/2022</a:t>
+              <a:t>6/10/2023</a:t>
             </a:fld>
             <a:endParaRPr lang="en-US"/>
           </a:p>
@@ -2248,7 +2248,7 @@
             <a:fld id="{3D5D771C-AFFE-47B3-886F-49CD4EBE8B05}" type="datetimeFigureOut">
               <a:rPr lang="en-US" smtClean="0"/>
               <a:pPr/>
-              <a:t>7/7/2022</a:t>
+              <a:t>6/10/2023</a:t>
             </a:fld>
             <a:endParaRPr lang="en-US"/>
           </a:p>
@@ -2502,7 +2502,7 @@
             <a:fld id="{3D5D771C-AFFE-47B3-886F-49CD4EBE8B05}" type="datetimeFigureOut">
               <a:rPr lang="en-US" smtClean="0"/>
               <a:pPr/>
-              <a:t>7/7/2022</a:t>
+              <a:t>6/10/2023</a:t>
             </a:fld>
             <a:endParaRPr lang="en-US"/>
           </a:p>
@@ -2717,7 +2717,7 @@
             <a:fld id="{3D5D771C-AFFE-47B3-886F-49CD4EBE8B05}" type="datetimeFigureOut">
               <a:rPr lang="en-US" smtClean="0"/>
               <a:pPr/>
-              <a:t>7/7/2022</a:t>
+              <a:t>6/10/2023</a:t>
             </a:fld>
             <a:endParaRPr lang="en-US"/>
           </a:p>
@@ -3111,7 +3111,7 @@
           <a:lstStyle/>
           <a:p>
             <a:r>
-              <a:rPr lang="zh-CN" altLang="en-US" sz="5400" b="1" i="1" dirty="0">
+              <a:rPr lang="zh-CN" altLang="en-US" sz="5400" b="1" i="1" dirty="0" smtClean="0">
                 <a:solidFill>
                   <a:srgbClr val="660033"/>
                 </a:solidFill>
@@ -3128,7 +3128,7 @@
               <a:t>願</a:t>
             </a:r>
             <a:r>
-              <a:rPr lang="zh-CN" altLang="en-US" sz="5400" b="1" i="1" dirty="0">
+              <a:rPr lang="zh-TW" altLang="en-US" sz="5400" b="1" i="1" dirty="0">
                 <a:solidFill>
                   <a:srgbClr val="660033"/>
                 </a:solidFill>
@@ -3142,7 +3142,41 @@
                 <a:latin typeface="微軟正黑體" pitchFamily="34" charset="-120"/>
                 <a:ea typeface="微軟正黑體" pitchFamily="34" charset="-120"/>
               </a:rPr>
-              <a:t>袮崇高</a:t>
+              <a:t>祢</a:t>
+            </a:r>
+            <a:r>
+              <a:rPr lang="zh-CN" altLang="en-US" sz="5400" b="1" i="1" dirty="0" smtClean="0">
+                <a:solidFill>
+                  <a:srgbClr val="660033"/>
+                </a:solidFill>
+                <a:effectLst>
+                  <a:outerShdw blurRad="38100" dist="38100" dir="2700000" algn="tl">
+                    <a:srgbClr val="000000">
+                      <a:alpha val="43137"/>
+                    </a:srgbClr>
+                  </a:outerShdw>
+                </a:effectLst>
+                <a:latin typeface="微軟正黑體" pitchFamily="34" charset="-120"/>
+                <a:ea typeface="微軟正黑體" pitchFamily="34" charset="-120"/>
+              </a:rPr>
+              <a:t>崇</a:t>
+            </a:r>
+            <a:r>
+              <a:rPr lang="zh-CN" altLang="en-US" sz="5400" b="1" i="1" dirty="0">
+                <a:solidFill>
+                  <a:srgbClr val="660033"/>
+                </a:solidFill>
+                <a:effectLst>
+                  <a:outerShdw blurRad="38100" dist="38100" dir="2700000" algn="tl">
+                    <a:srgbClr val="000000">
+                      <a:alpha val="43137"/>
+                    </a:srgbClr>
+                  </a:outerShdw>
+                </a:effectLst>
+                <a:latin typeface="微軟正黑體" pitchFamily="34" charset="-120"/>
+                <a:ea typeface="微軟正黑體" pitchFamily="34" charset="-120"/>
+              </a:rPr>
+              <a:t>高</a:t>
             </a:r>
             <a:endParaRPr lang="zh-TW" altLang="en-US" sz="5400" b="1" i="1" dirty="0">
               <a:solidFill>
@@ -3227,14 +3261,14 @@
               <a:t>我要在萬民中稱謝</a:t>
             </a:r>
             <a:r>
-              <a:rPr lang="zh-CN" altLang="en-US" sz="4800" b="1" dirty="0">
+              <a:rPr lang="zh-TW" altLang="en-US" sz="4800" b="1" dirty="0" smtClean="0">
                 <a:solidFill>
                   <a:srgbClr val="660033"/>
                 </a:solidFill>
                 <a:latin typeface="微軟正黑體" pitchFamily="34" charset="-120"/>
                 <a:ea typeface="微軟正黑體" pitchFamily="34" charset="-120"/>
               </a:rPr>
-              <a:t>袮</a:t>
+              <a:t>祢</a:t>
             </a:r>
             <a:endParaRPr lang="en-US" altLang="zh-TW" sz="4800" b="1" dirty="0">
               <a:solidFill>
@@ -3256,17 +3290,7 @@
                 <a:latin typeface="微軟正黑體" pitchFamily="34" charset="-120"/>
                 <a:ea typeface="微軟正黑體" pitchFamily="34" charset="-120"/>
               </a:rPr>
-              <a:t>我要在列邦中歌頌</a:t>
-            </a:r>
-            <a:r>
-              <a:rPr lang="zh-CN" altLang="en-US" sz="4800" b="1" dirty="0">
-                <a:solidFill>
-                  <a:srgbClr val="660033"/>
-                </a:solidFill>
-                <a:latin typeface="微軟正黑體" pitchFamily="34" charset="-120"/>
-                <a:ea typeface="微軟正黑體" pitchFamily="34" charset="-120"/>
-              </a:rPr>
-              <a:t>袮</a:t>
+              <a:t>我要在列邦中歌頌祢</a:t>
             </a:r>
             <a:endParaRPr lang="en-US" altLang="zh-TW" sz="4800" b="1" dirty="0">
               <a:solidFill>
@@ -3396,24 +3420,14 @@
               <a:buNone/>
             </a:pPr>
             <a:r>
-              <a:rPr lang="zh-CN" altLang="en-US" sz="4800" b="1" dirty="0">
+              <a:rPr lang="zh-TW" altLang="en-US" sz="4800" b="1" dirty="0">
                 <a:solidFill>
                   <a:srgbClr val="660033"/>
                 </a:solidFill>
                 <a:latin typeface="微軟正黑體" pitchFamily="34" charset="-120"/>
                 <a:ea typeface="微軟正黑體" pitchFamily="34" charset="-120"/>
               </a:rPr>
-              <a:t>袮</a:t>
-            </a:r>
-            <a:r>
-              <a:rPr lang="zh-TW" altLang="en-US" sz="4800" b="1" dirty="0">
-                <a:solidFill>
-                  <a:srgbClr val="660033"/>
-                </a:solidFill>
-                <a:latin typeface="微軟正黑體" pitchFamily="34" charset="-120"/>
-                <a:ea typeface="微軟正黑體" pitchFamily="34" charset="-120"/>
-              </a:rPr>
-              <a:t>的慈愛高及諸天</a:t>
+              <a:t>祢的慈愛高及諸天</a:t>
             </a:r>
             <a:endParaRPr lang="en-US" altLang="zh-TW" sz="4800" b="1" dirty="0">
               <a:solidFill>
@@ -3428,24 +3442,14 @@
               <a:buNone/>
             </a:pPr>
             <a:r>
-              <a:rPr lang="zh-CN" altLang="en-US" sz="4800" b="1" dirty="0">
+              <a:rPr lang="zh-TW" altLang="en-US" sz="4800" b="1" dirty="0">
                 <a:solidFill>
                   <a:srgbClr val="660033"/>
                 </a:solidFill>
                 <a:latin typeface="微軟正黑體" pitchFamily="34" charset="-120"/>
                 <a:ea typeface="微軟正黑體" pitchFamily="34" charset="-120"/>
               </a:rPr>
-              <a:t>袮</a:t>
-            </a:r>
-            <a:r>
-              <a:rPr lang="zh-TW" altLang="en-US" sz="4800" b="1" dirty="0">
-                <a:solidFill>
-                  <a:srgbClr val="660033"/>
-                </a:solidFill>
-                <a:latin typeface="微軟正黑體" pitchFamily="34" charset="-120"/>
-                <a:ea typeface="微軟正黑體" pitchFamily="34" charset="-120"/>
-              </a:rPr>
-              <a:t>的誠實上達穹蒼</a:t>
+              <a:t>祢的誠實上達穹蒼</a:t>
             </a:r>
             <a:endParaRPr lang="en-US" altLang="zh-TW" sz="4800" b="1" dirty="0">
               <a:solidFill>
@@ -3597,24 +3601,14 @@
               <a:buNone/>
             </a:pPr>
             <a:r>
-              <a:rPr lang="zh-CN" altLang="en-US" sz="4800" b="1" dirty="0">
+              <a:rPr lang="zh-TW" altLang="en-US" sz="4800" b="1" dirty="0">
                 <a:solidFill>
                   <a:srgbClr val="660033"/>
                 </a:solidFill>
                 <a:latin typeface="微軟正黑體" pitchFamily="34" charset="-120"/>
                 <a:ea typeface="微軟正黑體" pitchFamily="34" charset="-120"/>
               </a:rPr>
-              <a:t>袮</a:t>
-            </a:r>
-            <a:r>
-              <a:rPr lang="zh-TW" altLang="en-US" sz="4800" b="1" dirty="0">
-                <a:solidFill>
-                  <a:srgbClr val="660033"/>
-                </a:solidFill>
-                <a:latin typeface="微軟正黑體" pitchFamily="34" charset="-120"/>
-                <a:ea typeface="微軟正黑體" pitchFamily="34" charset="-120"/>
-              </a:rPr>
-              <a:t>的慈愛高及諸天</a:t>
+              <a:t>祢的慈愛高及諸天</a:t>
             </a:r>
             <a:endParaRPr lang="en-US" altLang="zh-TW" sz="4800" b="1" dirty="0">
               <a:solidFill>
@@ -3766,24 +3760,14 @@
               <a:buNone/>
             </a:pPr>
             <a:r>
-              <a:rPr lang="zh-CN" altLang="en-US" sz="4800" b="1" dirty="0">
+              <a:rPr lang="zh-TW" altLang="en-US" sz="4800" b="1" dirty="0">
                 <a:solidFill>
                   <a:srgbClr val="660033"/>
                 </a:solidFill>
                 <a:latin typeface="微軟正黑體" pitchFamily="34" charset="-120"/>
                 <a:ea typeface="微軟正黑體" pitchFamily="34" charset="-120"/>
               </a:rPr>
-              <a:t>袮</a:t>
-            </a:r>
-            <a:r>
-              <a:rPr lang="zh-TW" altLang="en-US" sz="4800" b="1" dirty="0">
-                <a:solidFill>
-                  <a:srgbClr val="660033"/>
-                </a:solidFill>
-                <a:latin typeface="微軟正黑體" pitchFamily="34" charset="-120"/>
-                <a:ea typeface="微軟正黑體" pitchFamily="34" charset="-120"/>
-              </a:rPr>
-              <a:t>的誠實上達到穹蒼</a:t>
+              <a:t>祢的誠實上達到穹蒼</a:t>
             </a:r>
             <a:endParaRPr lang="en-US" sz="4800" b="1" dirty="0">
               <a:solidFill>

--- a/願你崇高.pptx
+++ b/願你崇高.pptx
@@ -309,7 +309,7 @@
             <a:fld id="{3D5D771C-AFFE-47B3-886F-49CD4EBE8B05}" type="datetimeFigureOut">
               <a:rPr lang="en-US" smtClean="0"/>
               <a:pPr/>
-              <a:t>6/10/2023</a:t>
+              <a:t>6/16/2023</a:t>
             </a:fld>
             <a:endParaRPr lang="en-US"/>
           </a:p>
@@ -476,7 +476,7 @@
             <a:fld id="{3D5D771C-AFFE-47B3-886F-49CD4EBE8B05}" type="datetimeFigureOut">
               <a:rPr lang="en-US" smtClean="0"/>
               <a:pPr/>
-              <a:t>6/10/2023</a:t>
+              <a:t>6/16/2023</a:t>
             </a:fld>
             <a:endParaRPr lang="en-US"/>
           </a:p>
@@ -653,7 +653,7 @@
             <a:fld id="{3D5D771C-AFFE-47B3-886F-49CD4EBE8B05}" type="datetimeFigureOut">
               <a:rPr lang="en-US" smtClean="0"/>
               <a:pPr/>
-              <a:t>6/10/2023</a:t>
+              <a:t>6/16/2023</a:t>
             </a:fld>
             <a:endParaRPr lang="en-US"/>
           </a:p>
@@ -820,7 +820,7 @@
             <a:fld id="{3D5D771C-AFFE-47B3-886F-49CD4EBE8B05}" type="datetimeFigureOut">
               <a:rPr lang="en-US" smtClean="0"/>
               <a:pPr/>
-              <a:t>6/10/2023</a:t>
+              <a:t>6/16/2023</a:t>
             </a:fld>
             <a:endParaRPr lang="en-US"/>
           </a:p>
@@ -1063,7 +1063,7 @@
             <a:fld id="{3D5D771C-AFFE-47B3-886F-49CD4EBE8B05}" type="datetimeFigureOut">
               <a:rPr lang="en-US" smtClean="0"/>
               <a:pPr/>
-              <a:t>6/10/2023</a:t>
+              <a:t>6/16/2023</a:t>
             </a:fld>
             <a:endParaRPr lang="en-US"/>
           </a:p>
@@ -1348,7 +1348,7 @@
             <a:fld id="{3D5D771C-AFFE-47B3-886F-49CD4EBE8B05}" type="datetimeFigureOut">
               <a:rPr lang="en-US" smtClean="0"/>
               <a:pPr/>
-              <a:t>6/10/2023</a:t>
+              <a:t>6/16/2023</a:t>
             </a:fld>
             <a:endParaRPr lang="en-US"/>
           </a:p>
@@ -1767,7 +1767,7 @@
             <a:fld id="{3D5D771C-AFFE-47B3-886F-49CD4EBE8B05}" type="datetimeFigureOut">
               <a:rPr lang="en-US" smtClean="0"/>
               <a:pPr/>
-              <a:t>6/10/2023</a:t>
+              <a:t>6/16/2023</a:t>
             </a:fld>
             <a:endParaRPr lang="en-US"/>
           </a:p>
@@ -1882,7 +1882,7 @@
             <a:fld id="{3D5D771C-AFFE-47B3-886F-49CD4EBE8B05}" type="datetimeFigureOut">
               <a:rPr lang="en-US" smtClean="0"/>
               <a:pPr/>
-              <a:t>6/10/2023</a:t>
+              <a:t>6/16/2023</a:t>
             </a:fld>
             <a:endParaRPr lang="en-US"/>
           </a:p>
@@ -1974,7 +1974,7 @@
             <a:fld id="{3D5D771C-AFFE-47B3-886F-49CD4EBE8B05}" type="datetimeFigureOut">
               <a:rPr lang="en-US" smtClean="0"/>
               <a:pPr/>
-              <a:t>6/10/2023</a:t>
+              <a:t>6/16/2023</a:t>
             </a:fld>
             <a:endParaRPr lang="en-US"/>
           </a:p>
@@ -2248,7 +2248,7 @@
             <a:fld id="{3D5D771C-AFFE-47B3-886F-49CD4EBE8B05}" type="datetimeFigureOut">
               <a:rPr lang="en-US" smtClean="0"/>
               <a:pPr/>
-              <a:t>6/10/2023</a:t>
+              <a:t>6/16/2023</a:t>
             </a:fld>
             <a:endParaRPr lang="en-US"/>
           </a:p>
@@ -2502,7 +2502,7 @@
             <a:fld id="{3D5D771C-AFFE-47B3-886F-49CD4EBE8B05}" type="datetimeFigureOut">
               <a:rPr lang="en-US" smtClean="0"/>
               <a:pPr/>
-              <a:t>6/10/2023</a:t>
+              <a:t>6/16/2023</a:t>
             </a:fld>
             <a:endParaRPr lang="en-US"/>
           </a:p>
@@ -2717,7 +2717,7 @@
             <a:fld id="{3D5D771C-AFFE-47B3-886F-49CD4EBE8B05}" type="datetimeFigureOut">
               <a:rPr lang="en-US" smtClean="0"/>
               <a:pPr/>
-              <a:t>6/10/2023</a:t>
+              <a:t>6/16/2023</a:t>
             </a:fld>
             <a:endParaRPr lang="en-US"/>
           </a:p>
@@ -3311,7 +3311,7 @@
         <p:spPr>
           <a:xfrm>
             <a:off x="0" y="3867895"/>
-            <a:ext cx="9144000" cy="584775"/>
+            <a:ext cx="9144000" cy="523220"/>
           </a:xfrm>
           <a:prstGeom prst="rect">
             <a:avLst/>
@@ -3326,7 +3326,7 @@
           <a:p>
             <a:pPr algn="ctr"/>
             <a:r>
-              <a:rPr lang="en-US" sz="3200" b="1" dirty="0">
+              <a:rPr lang="en-US" sz="2800" b="1" dirty="0">
                 <a:solidFill>
                   <a:srgbClr val="660033"/>
                 </a:solidFill>
@@ -3336,7 +3336,7 @@
               <a:t>( </a:t>
             </a:r>
             <a:r>
-              <a:rPr lang="zh-CN" altLang="en-US" sz="3200" b="1" dirty="0">
+              <a:rPr lang="zh-CN" altLang="en-US" sz="2800" b="1" dirty="0">
                 <a:solidFill>
                   <a:srgbClr val="660033"/>
                 </a:solidFill>
@@ -3346,7 +3346,7 @@
               <a:t>正</a:t>
             </a:r>
             <a:r>
-              <a:rPr lang="en-US" sz="3200" b="1" dirty="0">
+              <a:rPr lang="en-US" sz="2800" b="1" dirty="0">
                 <a:solidFill>
                   <a:srgbClr val="660033"/>
                 </a:solidFill>
@@ -3355,7 +3355,7 @@
               </a:rPr>
               <a:t> )</a:t>
             </a:r>
-            <a:endParaRPr lang="vi-VN" sz="3200" b="1" dirty="0">
+            <a:endParaRPr lang="vi-VN" sz="2800" b="1" dirty="0">
               <a:solidFill>
                 <a:srgbClr val="660033"/>
               </a:solidFill>
@@ -3470,7 +3470,7 @@
         <p:spPr>
           <a:xfrm>
             <a:off x="0" y="3867895"/>
-            <a:ext cx="9144000" cy="584775"/>
+            <a:ext cx="9144000" cy="523220"/>
           </a:xfrm>
           <a:prstGeom prst="rect">
             <a:avLst/>
@@ -3485,7 +3485,7 @@
           <a:p>
             <a:pPr algn="ctr"/>
             <a:r>
-              <a:rPr lang="en-US" sz="3200" b="1" dirty="0">
+              <a:rPr lang="en-US" sz="2800" b="1" dirty="0">
                 <a:solidFill>
                   <a:srgbClr val="660033"/>
                 </a:solidFill>
@@ -3495,7 +3495,7 @@
               <a:t>( </a:t>
             </a:r>
             <a:r>
-              <a:rPr lang="zh-CN" altLang="en-US" sz="3200" b="1" dirty="0">
+              <a:rPr lang="zh-CN" altLang="en-US" sz="2800" b="1" dirty="0">
                 <a:solidFill>
                   <a:srgbClr val="660033"/>
                 </a:solidFill>
@@ -3505,7 +3505,7 @@
               <a:t>正</a:t>
             </a:r>
             <a:r>
-              <a:rPr lang="en-US" sz="3200" b="1" dirty="0">
+              <a:rPr lang="en-US" sz="2800" b="1" dirty="0">
                 <a:solidFill>
                   <a:srgbClr val="660033"/>
                 </a:solidFill>
@@ -3514,7 +3514,7 @@
               </a:rPr>
               <a:t> )( x2 )</a:t>
             </a:r>
-            <a:endParaRPr lang="vi-VN" sz="3200" b="1" dirty="0">
+            <a:endParaRPr lang="vi-VN" sz="2800" b="1" dirty="0">
               <a:solidFill>
                 <a:srgbClr val="660033"/>
               </a:solidFill>
@@ -3629,7 +3629,7 @@
         <p:spPr>
           <a:xfrm>
             <a:off x="0" y="3867895"/>
-            <a:ext cx="9144000" cy="584775"/>
+            <a:ext cx="9144000" cy="523220"/>
           </a:xfrm>
           <a:prstGeom prst="rect">
             <a:avLst/>
@@ -3644,7 +3644,7 @@
           <a:p>
             <a:pPr algn="ctr"/>
             <a:r>
-              <a:rPr lang="en-US" sz="3200" b="1" dirty="0">
+              <a:rPr lang="en-US" sz="2800" b="1" dirty="0">
                 <a:solidFill>
                   <a:srgbClr val="660033"/>
                 </a:solidFill>
@@ -3654,7 +3654,7 @@
               <a:t>( </a:t>
             </a:r>
             <a:r>
-              <a:rPr lang="zh-CN" altLang="en-US" sz="3200" b="1" dirty="0">
+              <a:rPr lang="zh-CN" altLang="en-US" sz="2800" b="1" dirty="0">
                 <a:solidFill>
                   <a:srgbClr val="660033"/>
                 </a:solidFill>
@@ -3664,7 +3664,7 @@
               <a:t>副</a:t>
             </a:r>
             <a:r>
-              <a:rPr lang="en-US" sz="3200" b="1" dirty="0">
+              <a:rPr lang="en-US" sz="2800" b="1" dirty="0">
                 <a:solidFill>
                   <a:srgbClr val="660033"/>
                 </a:solidFill>
@@ -3673,7 +3673,7 @@
               </a:rPr>
               <a:t> )</a:t>
             </a:r>
-            <a:endParaRPr lang="vi-VN" sz="3200" b="1" dirty="0">
+            <a:endParaRPr lang="vi-VN" sz="2800" b="1" dirty="0">
               <a:solidFill>
                 <a:srgbClr val="660033"/>
               </a:solidFill>
@@ -3788,7 +3788,7 @@
         <p:spPr>
           <a:xfrm>
             <a:off x="0" y="3867895"/>
-            <a:ext cx="9144000" cy="584775"/>
+            <a:ext cx="9144000" cy="523220"/>
           </a:xfrm>
           <a:prstGeom prst="rect">
             <a:avLst/>
@@ -3803,7 +3803,7 @@
           <a:p>
             <a:pPr algn="ctr"/>
             <a:r>
-              <a:rPr lang="en-US" sz="3200" b="1" dirty="0">
+              <a:rPr lang="en-US" sz="2800" b="1" dirty="0">
                 <a:solidFill>
                   <a:srgbClr val="660033"/>
                 </a:solidFill>
@@ -3813,7 +3813,7 @@
               <a:t>( </a:t>
             </a:r>
             <a:r>
-              <a:rPr lang="zh-CN" altLang="en-US" sz="3200" b="1" dirty="0">
+              <a:rPr lang="zh-CN" altLang="en-US" sz="2800" b="1" dirty="0">
                 <a:solidFill>
                   <a:srgbClr val="660033"/>
                 </a:solidFill>
@@ -3823,7 +3823,7 @@
               <a:t>副</a:t>
             </a:r>
             <a:r>
-              <a:rPr lang="en-US" sz="3200" b="1" dirty="0">
+              <a:rPr lang="en-US" sz="2800" b="1" dirty="0">
                 <a:solidFill>
                   <a:srgbClr val="660033"/>
                 </a:solidFill>
@@ -3832,10 +3832,11 @@
               </a:rPr>
               <a:t> )</a:t>
             </a:r>
-            <a:endParaRPr lang="vi-VN" sz="3200" b="1" dirty="0">
+            <a:endParaRPr lang="vi-VN" sz="2800" b="1" dirty="0">
               <a:solidFill>
                 <a:srgbClr val="660033"/>
               </a:solidFill>
+              <a:latin typeface="Microsoft JhengHei" panose="020B0604030504040204" pitchFamily="34" charset="-120"/>
               <a:ea typeface="Microsoft JhengHei" panose="020B0604030504040204" pitchFamily="34" charset="-120"/>
             </a:endParaRPr>
           </a:p>
